--- a/WebProjekt.pptx
+++ b/WebProjekt.pptx
@@ -108,6 +108,11 @@
       </a:defRPr>
     </a:lvl9pPr>
   </p:defaultTextStyle>
+  <p:extLst>
+    <p:ext uri="{EFAFB233-063F-42B5-8137-9DF3F51BA10A}">
+      <p15:sldGuideLst xmlns:p15="http://schemas.microsoft.com/office/powerpoint/2012/main"/>
+    </p:ext>
+  </p:extLst>
 </p:presentation>
 </file>
 
@@ -6714,7 +6719,11 @@
           <a:bodyPr/>
           <a:lstStyle/>
           <a:p>
-            <a:endParaRPr lang="de-DE"/>
+            <a:r>
+              <a:rPr lang="de-DE" dirty="0" smtClean="0"/>
+              <a:t>Wie wurde es realisiert?</a:t>
+            </a:r>
+            <a:endParaRPr lang="de-DE" dirty="0"/>
           </a:p>
         </p:txBody>
       </p:sp>
@@ -6728,12 +6737,29 @@
             <p:ph idx="1"/>
           </p:nvPr>
         </p:nvSpPr>
-        <p:spPr/>
+        <p:spPr>
+          <a:xfrm>
+            <a:off x="1120000" y="1825625"/>
+            <a:ext cx="6755373" cy="1741359"/>
+          </a:xfrm>
+        </p:spPr>
         <p:txBody>
           <a:bodyPr/>
           <a:lstStyle/>
           <a:p>
-            <a:endParaRPr lang="de-DE"/>
+            <a:r>
+              <a:rPr lang="de-DE" dirty="0" smtClean="0"/>
+              <a:t>Selber Programmiert(Soweit wie es die Kenntnisse zuließen)</a:t>
+            </a:r>
+          </a:p>
+          <a:p>
+            <a:r>
+              <a:rPr lang="de-DE" dirty="0" smtClean="0"/>
+              <a:t>Teile aus dem Internet übernehmen </a:t>
+            </a:r>
+          </a:p>
+          <a:p>
+            <a:endParaRPr lang="de-DE" dirty="0"/>
           </a:p>
         </p:txBody>
       </p:sp>
@@ -6778,6 +6804,43 @@
                 <a:alpha val="43000"/>
               </a:srgbClr>
             </a:outerShdw>
+          </a:effectLst>
+        </p:spPr>
+      </p:pic>
+      <p:pic>
+        <p:nvPicPr>
+          <p:cNvPr id="5" name="Grafik 4"/>
+          <p:cNvPicPr>
+            <a:picLocks noChangeAspect="1"/>
+          </p:cNvPicPr>
+          <p:nvPr/>
+        </p:nvPicPr>
+        <p:blipFill>
+          <a:blip r:embed="rId3"/>
+          <a:stretch>
+            <a:fillRect/>
+          </a:stretch>
+        </p:blipFill>
+        <p:spPr>
+          <a:xfrm>
+            <a:off x="1190496" y="3464525"/>
+            <a:ext cx="7800975" cy="3009900"/>
+          </a:xfrm>
+          <a:prstGeom prst="roundRect">
+            <a:avLst>
+              <a:gd name="adj" fmla="val 8594"/>
+            </a:avLst>
+          </a:prstGeom>
+          <a:solidFill>
+            <a:srgbClr val="FFFFFF">
+              <a:shade val="85000"/>
+            </a:srgbClr>
+          </a:solidFill>
+          <a:ln>
+            <a:noFill/>
+          </a:ln>
+          <a:effectLst>
+            <a:reflection blurRad="12700" stA="38000" endPos="28000" dist="5000" dir="5400000" sy="-100000" algn="bl" rotWithShape="0"/>
           </a:effectLst>
         </p:spPr>
       </p:pic>

--- a/WebProjekt.pptx
+++ b/WebProjekt.pptx
@@ -6,10 +6,12 @@
   </p:sldMasterIdLst>
   <p:sldIdLst>
     <p:sldId id="256" r:id="rId2"/>
-    <p:sldId id="257" r:id="rId3"/>
-    <p:sldId id="258" r:id="rId4"/>
-    <p:sldId id="259" r:id="rId5"/>
-    <p:sldId id="260" r:id="rId6"/>
+    <p:sldId id="261" r:id="rId3"/>
+    <p:sldId id="257" r:id="rId4"/>
+    <p:sldId id="258" r:id="rId5"/>
+    <p:sldId id="259" r:id="rId6"/>
+    <p:sldId id="260" r:id="rId7"/>
+    <p:sldId id="262" r:id="rId8"/>
   </p:sldIdLst>
   <p:sldSz cx="12192000" cy="6858000"/>
   <p:notesSz cx="6858000" cy="9144000"/>
@@ -278,7 +280,7 @@
           <a:p>
             <a:fld id="{687B722F-994C-46E8-B4CB-FBCA36E87FEE}" type="datetimeFigureOut">
               <a:rPr lang="de-DE" smtClean="0"/>
-              <a:t>05.12.2016</a:t>
+              <a:t>06.12.2016</a:t>
             </a:fld>
             <a:endParaRPr lang="de-DE"/>
           </a:p>
@@ -559,7 +561,7 @@
           <a:p>
             <a:fld id="{687B722F-994C-46E8-B4CB-FBCA36E87FEE}" type="datetimeFigureOut">
               <a:rPr lang="de-DE" smtClean="0"/>
-              <a:t>05.12.2016</a:t>
+              <a:t>06.12.2016</a:t>
             </a:fld>
             <a:endParaRPr lang="de-DE"/>
           </a:p>
@@ -751,7 +753,7 @@
           <a:p>
             <a:fld id="{687B722F-994C-46E8-B4CB-FBCA36E87FEE}" type="datetimeFigureOut">
               <a:rPr lang="de-DE" smtClean="0"/>
-              <a:t>05.12.2016</a:t>
+              <a:t>06.12.2016</a:t>
             </a:fld>
             <a:endParaRPr lang="de-DE"/>
           </a:p>
@@ -1012,7 +1014,7 @@
           <a:p>
             <a:fld id="{687B722F-994C-46E8-B4CB-FBCA36E87FEE}" type="datetimeFigureOut">
               <a:rPr lang="de-DE" smtClean="0"/>
-              <a:t>05.12.2016</a:t>
+              <a:t>06.12.2016</a:t>
             </a:fld>
             <a:endParaRPr lang="de-DE"/>
           </a:p>
@@ -1438,7 +1440,7 @@
           <a:p>
             <a:fld id="{687B722F-994C-46E8-B4CB-FBCA36E87FEE}" type="datetimeFigureOut">
               <a:rPr lang="de-DE" smtClean="0"/>
-              <a:t>05.12.2016</a:t>
+              <a:t>06.12.2016</a:t>
             </a:fld>
             <a:endParaRPr lang="de-DE"/>
           </a:p>
@@ -1984,7 +1986,7 @@
           <a:p>
             <a:fld id="{687B722F-994C-46E8-B4CB-FBCA36E87FEE}" type="datetimeFigureOut">
               <a:rPr lang="de-DE" smtClean="0"/>
-              <a:t>05.12.2016</a:t>
+              <a:t>06.12.2016</a:t>
             </a:fld>
             <a:endParaRPr lang="de-DE"/>
           </a:p>
@@ -2815,7 +2817,7 @@
           <a:p>
             <a:fld id="{687B722F-994C-46E8-B4CB-FBCA36E87FEE}" type="datetimeFigureOut">
               <a:rPr lang="de-DE" smtClean="0"/>
-              <a:t>05.12.2016</a:t>
+              <a:t>06.12.2016</a:t>
             </a:fld>
             <a:endParaRPr lang="de-DE"/>
           </a:p>
@@ -2985,7 +2987,7 @@
           <a:p>
             <a:fld id="{687B722F-994C-46E8-B4CB-FBCA36E87FEE}" type="datetimeFigureOut">
               <a:rPr lang="de-DE" smtClean="0"/>
-              <a:t>05.12.2016</a:t>
+              <a:t>06.12.2016</a:t>
             </a:fld>
             <a:endParaRPr lang="de-DE"/>
           </a:p>
@@ -3165,7 +3167,7 @@
           <a:p>
             <a:fld id="{687B722F-994C-46E8-B4CB-FBCA36E87FEE}" type="datetimeFigureOut">
               <a:rPr lang="de-DE" smtClean="0"/>
-              <a:t>05.12.2016</a:t>
+              <a:t>06.12.2016</a:t>
             </a:fld>
             <a:endParaRPr lang="de-DE"/>
           </a:p>
@@ -3335,7 +3337,7 @@
           <a:p>
             <a:fld id="{687B722F-994C-46E8-B4CB-FBCA36E87FEE}" type="datetimeFigureOut">
               <a:rPr lang="de-DE" smtClean="0"/>
-              <a:t>05.12.2016</a:t>
+              <a:t>06.12.2016</a:t>
             </a:fld>
             <a:endParaRPr lang="de-DE"/>
           </a:p>
@@ -3592,7 +3594,7 @@
           <a:p>
             <a:fld id="{687B722F-994C-46E8-B4CB-FBCA36E87FEE}" type="datetimeFigureOut">
               <a:rPr lang="de-DE" smtClean="0"/>
-              <a:t>05.12.2016</a:t>
+              <a:t>06.12.2016</a:t>
             </a:fld>
             <a:endParaRPr lang="de-DE"/>
           </a:p>
@@ -3824,7 +3826,7 @@
           <a:p>
             <a:fld id="{687B722F-994C-46E8-B4CB-FBCA36E87FEE}" type="datetimeFigureOut">
               <a:rPr lang="de-DE" smtClean="0"/>
-              <a:t>05.12.2016</a:t>
+              <a:t>06.12.2016</a:t>
             </a:fld>
             <a:endParaRPr lang="de-DE"/>
           </a:p>
@@ -4217,7 +4219,7 @@
           <a:p>
             <a:fld id="{687B722F-994C-46E8-B4CB-FBCA36E87FEE}" type="datetimeFigureOut">
               <a:rPr lang="de-DE" smtClean="0"/>
-              <a:t>05.12.2016</a:t>
+              <a:t>06.12.2016</a:t>
             </a:fld>
             <a:endParaRPr lang="de-DE"/>
           </a:p>
@@ -4335,7 +4337,7 @@
           <a:p>
             <a:fld id="{687B722F-994C-46E8-B4CB-FBCA36E87FEE}" type="datetimeFigureOut">
               <a:rPr lang="de-DE" smtClean="0"/>
-              <a:t>05.12.2016</a:t>
+              <a:t>06.12.2016</a:t>
             </a:fld>
             <a:endParaRPr lang="de-DE"/>
           </a:p>
@@ -4430,7 +4432,7 @@
           <a:p>
             <a:fld id="{687B722F-994C-46E8-B4CB-FBCA36E87FEE}" type="datetimeFigureOut">
               <a:rPr lang="de-DE" smtClean="0"/>
-              <a:t>05.12.2016</a:t>
+              <a:t>06.12.2016</a:t>
             </a:fld>
             <a:endParaRPr lang="de-DE"/>
           </a:p>
@@ -4703,7 +4705,7 @@
           <a:p>
             <a:fld id="{687B722F-994C-46E8-B4CB-FBCA36E87FEE}" type="datetimeFigureOut">
               <a:rPr lang="de-DE" smtClean="0"/>
-              <a:t>05.12.2016</a:t>
+              <a:t>06.12.2016</a:t>
             </a:fld>
             <a:endParaRPr lang="de-DE"/>
           </a:p>
@@ -4984,7 +4986,7 @@
           <a:p>
             <a:fld id="{687B722F-994C-46E8-B4CB-FBCA36E87FEE}" type="datetimeFigureOut">
               <a:rPr lang="de-DE" smtClean="0"/>
-              <a:t>05.12.2016</a:t>
+              <a:t>06.12.2016</a:t>
             </a:fld>
             <a:endParaRPr lang="de-DE"/>
           </a:p>
@@ -5224,7 +5226,7 @@
           <a:p>
             <a:fld id="{687B722F-994C-46E8-B4CB-FBCA36E87FEE}" type="datetimeFigureOut">
               <a:rPr lang="de-DE" smtClean="0"/>
-              <a:t>05.12.2016</a:t>
+              <a:t>06.12.2016</a:t>
             </a:fld>
             <a:endParaRPr lang="de-DE"/>
           </a:p>
@@ -5829,7 +5831,7 @@
         <p:spPr>
           <a:xfrm>
             <a:off x="0" y="1564367"/>
-            <a:ext cx="7658100" cy="891722"/>
+            <a:ext cx="7658100" cy="1715728"/>
           </a:xfrm>
         </p:spPr>
         <p:txBody>
@@ -5841,9 +5843,24 @@
             <a:pPr algn="l"/>
             <a:r>
               <a:rPr lang="de-DE" dirty="0" smtClean="0"/>
-              <a:t>Info Seite für Touristen über das Wipptal</a:t>
-            </a:r>
+              <a:t>Info Seite für Touristen über das </a:t>
+            </a:r>
+            <a:r>
+              <a:rPr lang="de-DE" dirty="0" smtClean="0"/>
+              <a:t>Wipptal</a:t>
+            </a:r>
+          </a:p>
+          <a:p>
+            <a:pPr algn="l"/>
             <a:endParaRPr lang="de-DE" dirty="0"/>
+          </a:p>
+          <a:p>
+            <a:pPr algn="l"/>
+            <a:r>
+              <a:rPr lang="de-DE" sz="2400" dirty="0" smtClean="0"/>
+              <a:t>Mirco Borri</a:t>
+            </a:r>
+            <a:endParaRPr lang="de-DE" sz="2400" dirty="0"/>
           </a:p>
         </p:txBody>
       </p:sp>
@@ -5978,19 +5995,14 @@
             <p:ph type="title"/>
           </p:nvPr>
         </p:nvSpPr>
-        <p:spPr>
-          <a:xfrm>
-            <a:off x="165100" y="187325"/>
-            <a:ext cx="10515600" cy="1325563"/>
-          </a:xfrm>
-        </p:spPr>
+        <p:spPr/>
         <p:txBody>
           <a:bodyPr/>
           <a:lstStyle/>
           <a:p>
             <a:r>
               <a:rPr lang="de-DE" dirty="0" smtClean="0"/>
-              <a:t>Was macht die Webseite?</a:t>
+              <a:t>Planung</a:t>
             </a:r>
             <a:endParaRPr lang="de-DE" dirty="0"/>
           </a:p>
@@ -5998,7 +6010,7 @@
       </p:sp>
       <p:sp>
         <p:nvSpPr>
-          <p:cNvPr id="3" name="Inhaltsplatzhalter 2"/>
+          <p:cNvPr id="4" name="Inhaltsplatzhalter 2"/>
           <p:cNvSpPr>
             <a:spLocks noGrp="1"/>
           </p:cNvSpPr>
@@ -6008,145 +6020,45 @@
         </p:nvSpPr>
         <p:spPr>
           <a:xfrm>
-            <a:off x="6451600" y="4213225"/>
-            <a:ext cx="5016500" cy="1971675"/>
-          </a:xfrm>
-        </p:spPr>
-        <p:txBody>
-          <a:bodyPr>
-            <a:normAutofit lnSpcReduction="10000"/>
-          </a:bodyPr>
+            <a:off x="766375" y="2232361"/>
+            <a:ext cx="3533776" cy="2886075"/>
+          </a:xfrm>
+        </p:spPr>
+        <p:txBody>
+          <a:bodyPr/>
           <a:lstStyle/>
           <a:p>
             <a:r>
               <a:rPr lang="de-DE" dirty="0" smtClean="0"/>
-              <a:t>Info Seite für Touristen</a:t>
+              <a:t>Pflichtenheft</a:t>
             </a:r>
           </a:p>
           <a:p>
             <a:r>
               <a:rPr lang="de-DE" dirty="0" smtClean="0"/>
-              <a:t>Werbeplattform für </a:t>
-            </a:r>
-          </a:p>
-          <a:p>
-            <a:pPr lvl="1"/>
+              <a:t>Designheft</a:t>
+            </a:r>
+          </a:p>
+          <a:p>
             <a:r>
               <a:rPr lang="de-DE" dirty="0" smtClean="0"/>
-              <a:t>Hotels</a:t>
-            </a:r>
-          </a:p>
-          <a:p>
-            <a:pPr lvl="1"/>
+              <a:t>Implementierung</a:t>
+            </a:r>
+          </a:p>
+          <a:p>
             <a:r>
               <a:rPr lang="de-DE" dirty="0" smtClean="0"/>
-              <a:t>Restaurants</a:t>
-            </a:r>
-          </a:p>
-          <a:p>
-            <a:pPr lvl="1"/>
-            <a:r>
-              <a:rPr lang="de-DE" dirty="0" smtClean="0"/>
-              <a:t>Bars</a:t>
+              <a:t>Testpersonen</a:t>
             </a:r>
           </a:p>
           <a:p>
             <a:endParaRPr lang="de-DE" dirty="0" smtClean="0"/>
           </a:p>
           <a:p>
-            <a:endParaRPr lang="de-DE" dirty="0" smtClean="0"/>
-          </a:p>
-          <a:p>
             <a:endParaRPr lang="de-DE" dirty="0"/>
           </a:p>
         </p:txBody>
       </p:sp>
-      <p:pic>
-        <p:nvPicPr>
-          <p:cNvPr id="4" name="Grafik 3"/>
-          <p:cNvPicPr>
-            <a:picLocks noChangeAspect="1"/>
-          </p:cNvPicPr>
-          <p:nvPr/>
-        </p:nvPicPr>
-        <p:blipFill>
-          <a:blip r:embed="rId2">
-            <a:extLst>
-              <a:ext uri="{28A0092B-C50C-407E-A947-70E740481C1C}">
-                <a14:useLocalDpi xmlns:a14="http://schemas.microsoft.com/office/drawing/2010/main" val="0"/>
-              </a:ext>
-            </a:extLst>
-          </a:blip>
-          <a:stretch>
-            <a:fillRect/>
-          </a:stretch>
-        </p:blipFill>
-        <p:spPr>
-          <a:xfrm>
-            <a:off x="165100" y="1755775"/>
-            <a:ext cx="6007100" cy="3994722"/>
-          </a:xfrm>
-          <a:prstGeom prst="roundRect">
-            <a:avLst>
-              <a:gd name="adj" fmla="val 8594"/>
-            </a:avLst>
-          </a:prstGeom>
-          <a:solidFill>
-            <a:srgbClr val="FFFFFF">
-              <a:shade val="85000"/>
-            </a:srgbClr>
-          </a:solidFill>
-          <a:ln>
-            <a:noFill/>
-          </a:ln>
-          <a:effectLst>
-            <a:reflection blurRad="12700" stA="38000" endPos="28000" dist="5000" dir="5400000" sy="-100000" algn="bl" rotWithShape="0"/>
-          </a:effectLst>
-        </p:spPr>
-      </p:pic>
-      <p:pic>
-        <p:nvPicPr>
-          <p:cNvPr id="5" name="Grafik 4"/>
-          <p:cNvPicPr>
-            <a:picLocks noChangeAspect="1"/>
-          </p:cNvPicPr>
-          <p:nvPr/>
-        </p:nvPicPr>
-        <p:blipFill>
-          <a:blip r:embed="rId3">
-            <a:extLst>
-              <a:ext uri="{28A0092B-C50C-407E-A947-70E740481C1C}">
-                <a14:useLocalDpi xmlns:a14="http://schemas.microsoft.com/office/drawing/2010/main" val="0"/>
-              </a:ext>
-            </a:extLst>
-          </a:blip>
-          <a:stretch>
-            <a:fillRect/>
-          </a:stretch>
-        </p:blipFill>
-        <p:spPr>
-          <a:xfrm>
-            <a:off x="7573822" y="414111"/>
-            <a:ext cx="4618178" cy="3467100"/>
-          </a:xfrm>
-          <a:prstGeom prst="roundRect">
-            <a:avLst>
-              <a:gd name="adj" fmla="val 8594"/>
-            </a:avLst>
-          </a:prstGeom>
-          <a:solidFill>
-            <a:srgbClr val="FFFFFF">
-              <a:shade val="85000"/>
-            </a:srgbClr>
-          </a:solidFill>
-          <a:ln>
-            <a:noFill/>
-          </a:ln>
-          <a:effectLst>
-            <a:reflection blurRad="12700" stA="38000" endPos="28000" dist="5000" dir="5400000" sy="-100000" algn="bl" rotWithShape="0"/>
-          </a:effectLst>
-        </p:spPr>
-      </p:pic>
       <p:pic>
         <p:nvPicPr>
           <p:cNvPr id="6" name="Grafik 5"/>
@@ -6156,7 +6068,7 @@
           <p:nvPr/>
         </p:nvPicPr>
         <p:blipFill>
-          <a:blip r:embed="rId4" cstate="print">
+          <a:blip r:embed="rId2" cstate="print">
             <a:extLst>
               <a:ext uri="{28A0092B-C50C-407E-A947-70E740481C1C}">
                 <a14:useLocalDpi xmlns:a14="http://schemas.microsoft.com/office/drawing/2010/main" val="0"/>
@@ -6191,10 +6103,670 @@
           </a:effectLst>
         </p:spPr>
       </p:pic>
+      <p:sp>
+        <p:nvSpPr>
+          <p:cNvPr id="7" name="Rechteck 6"/>
+          <p:cNvSpPr/>
+          <p:nvPr/>
+        </p:nvSpPr>
+        <p:spPr>
+          <a:xfrm>
+            <a:off x="5172447" y="515309"/>
+            <a:ext cx="2102478" cy="862313"/>
+          </a:xfrm>
+          <a:prstGeom prst="rect">
+            <a:avLst/>
+          </a:prstGeom>
+        </p:spPr>
+        <p:style>
+          <a:lnRef idx="2">
+            <a:schemeClr val="accent1">
+              <a:shade val="50000"/>
+            </a:schemeClr>
+          </a:lnRef>
+          <a:fillRef idx="1">
+            <a:schemeClr val="accent1"/>
+          </a:fillRef>
+          <a:effectRef idx="0">
+            <a:schemeClr val="accent1"/>
+          </a:effectRef>
+          <a:fontRef idx="minor">
+            <a:schemeClr val="lt1"/>
+          </a:fontRef>
+        </p:style>
+        <p:txBody>
+          <a:bodyPr rtlCol="0" anchor="ctr"/>
+          <a:lstStyle/>
+          <a:p>
+            <a:pPr algn="ctr"/>
+            <a:r>
+              <a:rPr lang="de-DE" dirty="0" smtClean="0"/>
+              <a:t>Analyse und Planung</a:t>
+            </a:r>
+            <a:endParaRPr lang="de-DE" dirty="0"/>
+          </a:p>
+        </p:txBody>
+      </p:sp>
+      <p:sp>
+        <p:nvSpPr>
+          <p:cNvPr id="13" name="Rechteck 12"/>
+          <p:cNvSpPr/>
+          <p:nvPr/>
+        </p:nvSpPr>
+        <p:spPr>
+          <a:xfrm>
+            <a:off x="6223686" y="1571557"/>
+            <a:ext cx="2102478" cy="862313"/>
+          </a:xfrm>
+          <a:prstGeom prst="rect">
+            <a:avLst/>
+          </a:prstGeom>
+        </p:spPr>
+        <p:style>
+          <a:lnRef idx="2">
+            <a:schemeClr val="accent1">
+              <a:shade val="50000"/>
+            </a:schemeClr>
+          </a:lnRef>
+          <a:fillRef idx="1">
+            <a:schemeClr val="accent1"/>
+          </a:fillRef>
+          <a:effectRef idx="0">
+            <a:schemeClr val="accent1"/>
+          </a:effectRef>
+          <a:fontRef idx="minor">
+            <a:schemeClr val="lt1"/>
+          </a:fontRef>
+        </p:style>
+        <p:txBody>
+          <a:bodyPr rtlCol="0" anchor="ctr"/>
+          <a:lstStyle/>
+          <a:p>
+            <a:pPr algn="ctr"/>
+            <a:r>
+              <a:rPr lang="de-DE" dirty="0"/>
+              <a:t>Design und Entwurf</a:t>
+            </a:r>
+            <a:endParaRPr lang="de-DE" dirty="0"/>
+          </a:p>
+        </p:txBody>
+      </p:sp>
+      <p:sp>
+        <p:nvSpPr>
+          <p:cNvPr id="14" name="Rechteck 13"/>
+          <p:cNvSpPr/>
+          <p:nvPr/>
+        </p:nvSpPr>
+        <p:spPr>
+          <a:xfrm>
+            <a:off x="7274925" y="2661420"/>
+            <a:ext cx="2102478" cy="862313"/>
+          </a:xfrm>
+          <a:prstGeom prst="rect">
+            <a:avLst/>
+          </a:prstGeom>
+        </p:spPr>
+        <p:style>
+          <a:lnRef idx="2">
+            <a:schemeClr val="accent1">
+              <a:shade val="50000"/>
+            </a:schemeClr>
+          </a:lnRef>
+          <a:fillRef idx="1">
+            <a:schemeClr val="accent1"/>
+          </a:fillRef>
+          <a:effectRef idx="0">
+            <a:schemeClr val="accent1"/>
+          </a:effectRef>
+          <a:fontRef idx="minor">
+            <a:schemeClr val="lt1"/>
+          </a:fontRef>
+        </p:style>
+        <p:txBody>
+          <a:bodyPr rtlCol="0" anchor="ctr"/>
+          <a:lstStyle/>
+          <a:p>
+            <a:pPr algn="ctr"/>
+            <a:r>
+              <a:rPr lang="de-DE" dirty="0"/>
+              <a:t>Implementation</a:t>
+            </a:r>
+            <a:endParaRPr lang="de-DE" dirty="0"/>
+          </a:p>
+        </p:txBody>
+      </p:sp>
+      <p:sp>
+        <p:nvSpPr>
+          <p:cNvPr id="15" name="Rechteck 14"/>
+          <p:cNvSpPr/>
+          <p:nvPr/>
+        </p:nvSpPr>
+        <p:spPr>
+          <a:xfrm>
+            <a:off x="8326164" y="3716587"/>
+            <a:ext cx="2102478" cy="862313"/>
+          </a:xfrm>
+          <a:prstGeom prst="rect">
+            <a:avLst/>
+          </a:prstGeom>
+        </p:spPr>
+        <p:style>
+          <a:lnRef idx="2">
+            <a:schemeClr val="accent1">
+              <a:shade val="50000"/>
+            </a:schemeClr>
+          </a:lnRef>
+          <a:fillRef idx="1">
+            <a:schemeClr val="accent1"/>
+          </a:fillRef>
+          <a:effectRef idx="0">
+            <a:schemeClr val="accent1"/>
+          </a:effectRef>
+          <a:fontRef idx="minor">
+            <a:schemeClr val="lt1"/>
+          </a:fontRef>
+        </p:style>
+        <p:txBody>
+          <a:bodyPr rtlCol="0" anchor="ctr"/>
+          <a:lstStyle/>
+          <a:p>
+            <a:pPr algn="ctr"/>
+            <a:r>
+              <a:rPr lang="de-DE" dirty="0"/>
+              <a:t>Test</a:t>
+            </a:r>
+            <a:endParaRPr lang="de-DE" dirty="0"/>
+          </a:p>
+        </p:txBody>
+      </p:sp>
+      <p:sp>
+        <p:nvSpPr>
+          <p:cNvPr id="16" name="Rechteck 15"/>
+          <p:cNvSpPr/>
+          <p:nvPr/>
+        </p:nvSpPr>
+        <p:spPr>
+          <a:xfrm>
+            <a:off x="9377403" y="4771754"/>
+            <a:ext cx="2102478" cy="862313"/>
+          </a:xfrm>
+          <a:prstGeom prst="rect">
+            <a:avLst/>
+          </a:prstGeom>
+        </p:spPr>
+        <p:style>
+          <a:lnRef idx="2">
+            <a:schemeClr val="accent1">
+              <a:shade val="50000"/>
+            </a:schemeClr>
+          </a:lnRef>
+          <a:fillRef idx="1">
+            <a:schemeClr val="accent1"/>
+          </a:fillRef>
+          <a:effectRef idx="0">
+            <a:schemeClr val="accent1"/>
+          </a:effectRef>
+          <a:fontRef idx="minor">
+            <a:schemeClr val="lt1"/>
+          </a:fontRef>
+        </p:style>
+        <p:txBody>
+          <a:bodyPr rtlCol="0" anchor="ctr"/>
+          <a:lstStyle/>
+          <a:p>
+            <a:pPr algn="ctr"/>
+            <a:r>
+              <a:rPr lang="de-DE" dirty="0"/>
+              <a:t>Wartung</a:t>
+            </a:r>
+            <a:endParaRPr lang="de-DE" dirty="0"/>
+          </a:p>
+        </p:txBody>
+      </p:sp>
+      <p:sp>
+        <p:nvSpPr>
+          <p:cNvPr id="23" name="Nach unten gekrümmter Pfeil 22"/>
+          <p:cNvSpPr/>
+          <p:nvPr/>
+        </p:nvSpPr>
+        <p:spPr>
+          <a:xfrm rot="13219479">
+            <a:off x="4542843" y="1916158"/>
+            <a:ext cx="1531632" cy="469557"/>
+          </a:xfrm>
+          <a:prstGeom prst="curvedDownArrow">
+            <a:avLst>
+              <a:gd name="adj1" fmla="val 40083"/>
+              <a:gd name="adj2" fmla="val 106733"/>
+              <a:gd name="adj3" fmla="val 46120"/>
+            </a:avLst>
+          </a:prstGeom>
+          <a:ln>
+            <a:solidFill>
+              <a:schemeClr val="tx1">
+                <a:lumMod val="65000"/>
+              </a:schemeClr>
+            </a:solidFill>
+          </a:ln>
+        </p:spPr>
+        <p:style>
+          <a:lnRef idx="2">
+            <a:schemeClr val="accent1">
+              <a:shade val="50000"/>
+            </a:schemeClr>
+          </a:lnRef>
+          <a:fillRef idx="1">
+            <a:schemeClr val="accent1"/>
+          </a:fillRef>
+          <a:effectRef idx="0">
+            <a:schemeClr val="accent1"/>
+          </a:effectRef>
+          <a:fontRef idx="minor">
+            <a:schemeClr val="lt1"/>
+          </a:fontRef>
+        </p:style>
+        <p:txBody>
+          <a:bodyPr rtlCol="0" anchor="ctr"/>
+          <a:lstStyle/>
+          <a:p>
+            <a:pPr algn="ctr"/>
+            <a:endParaRPr lang="de-DE">
+              <a:solidFill>
+                <a:schemeClr val="tx1"/>
+              </a:solidFill>
+            </a:endParaRPr>
+          </a:p>
+        </p:txBody>
+      </p:sp>
+      <p:sp>
+        <p:nvSpPr>
+          <p:cNvPr id="25" name="Nach unten gekrümmter Pfeil 24"/>
+          <p:cNvSpPr/>
+          <p:nvPr/>
+        </p:nvSpPr>
+        <p:spPr>
+          <a:xfrm rot="13219479">
+            <a:off x="5532255" y="3052744"/>
+            <a:ext cx="1531632" cy="469557"/>
+          </a:xfrm>
+          <a:prstGeom prst="curvedDownArrow">
+            <a:avLst>
+              <a:gd name="adj1" fmla="val 40083"/>
+              <a:gd name="adj2" fmla="val 106733"/>
+              <a:gd name="adj3" fmla="val 46120"/>
+            </a:avLst>
+          </a:prstGeom>
+          <a:ln>
+            <a:solidFill>
+              <a:schemeClr val="tx1">
+                <a:lumMod val="65000"/>
+              </a:schemeClr>
+            </a:solidFill>
+          </a:ln>
+        </p:spPr>
+        <p:style>
+          <a:lnRef idx="2">
+            <a:schemeClr val="accent1">
+              <a:shade val="50000"/>
+            </a:schemeClr>
+          </a:lnRef>
+          <a:fillRef idx="1">
+            <a:schemeClr val="accent1"/>
+          </a:fillRef>
+          <a:effectRef idx="0">
+            <a:schemeClr val="accent1"/>
+          </a:effectRef>
+          <a:fontRef idx="minor">
+            <a:schemeClr val="lt1"/>
+          </a:fontRef>
+        </p:style>
+        <p:txBody>
+          <a:bodyPr rtlCol="0" anchor="ctr"/>
+          <a:lstStyle/>
+          <a:p>
+            <a:pPr algn="ctr"/>
+            <a:endParaRPr lang="de-DE">
+              <a:solidFill>
+                <a:schemeClr val="tx1"/>
+              </a:solidFill>
+            </a:endParaRPr>
+          </a:p>
+        </p:txBody>
+      </p:sp>
+      <p:sp>
+        <p:nvSpPr>
+          <p:cNvPr id="26" name="Nach unten gekrümmter Pfeil 25"/>
+          <p:cNvSpPr/>
+          <p:nvPr/>
+        </p:nvSpPr>
+        <p:spPr>
+          <a:xfrm rot="13219479">
+            <a:off x="6564704" y="4259687"/>
+            <a:ext cx="1531632" cy="469557"/>
+          </a:xfrm>
+          <a:prstGeom prst="curvedDownArrow">
+            <a:avLst>
+              <a:gd name="adj1" fmla="val 40083"/>
+              <a:gd name="adj2" fmla="val 106733"/>
+              <a:gd name="adj3" fmla="val 46120"/>
+            </a:avLst>
+          </a:prstGeom>
+          <a:ln>
+            <a:solidFill>
+              <a:schemeClr val="tx1">
+                <a:lumMod val="65000"/>
+              </a:schemeClr>
+            </a:solidFill>
+          </a:ln>
+        </p:spPr>
+        <p:style>
+          <a:lnRef idx="2">
+            <a:schemeClr val="accent1">
+              <a:shade val="50000"/>
+            </a:schemeClr>
+          </a:lnRef>
+          <a:fillRef idx="1">
+            <a:schemeClr val="accent1"/>
+          </a:fillRef>
+          <a:effectRef idx="0">
+            <a:schemeClr val="accent1"/>
+          </a:effectRef>
+          <a:fontRef idx="minor">
+            <a:schemeClr val="lt1"/>
+          </a:fontRef>
+        </p:style>
+        <p:txBody>
+          <a:bodyPr rtlCol="0" anchor="ctr"/>
+          <a:lstStyle/>
+          <a:p>
+            <a:pPr algn="ctr"/>
+            <a:endParaRPr lang="de-DE">
+              <a:solidFill>
+                <a:schemeClr val="tx1"/>
+              </a:solidFill>
+            </a:endParaRPr>
+          </a:p>
+        </p:txBody>
+      </p:sp>
+      <p:sp>
+        <p:nvSpPr>
+          <p:cNvPr id="27" name="Nach unten gekrümmter Pfeil 26"/>
+          <p:cNvSpPr/>
+          <p:nvPr/>
+        </p:nvSpPr>
+        <p:spPr>
+          <a:xfrm rot="13219479">
+            <a:off x="7704852" y="5459137"/>
+            <a:ext cx="1531632" cy="469557"/>
+          </a:xfrm>
+          <a:prstGeom prst="curvedDownArrow">
+            <a:avLst>
+              <a:gd name="adj1" fmla="val 40083"/>
+              <a:gd name="adj2" fmla="val 106733"/>
+              <a:gd name="adj3" fmla="val 46120"/>
+            </a:avLst>
+          </a:prstGeom>
+          <a:ln>
+            <a:solidFill>
+              <a:schemeClr val="tx1">
+                <a:lumMod val="65000"/>
+              </a:schemeClr>
+            </a:solidFill>
+          </a:ln>
+        </p:spPr>
+        <p:style>
+          <a:lnRef idx="2">
+            <a:schemeClr val="accent1">
+              <a:shade val="50000"/>
+            </a:schemeClr>
+          </a:lnRef>
+          <a:fillRef idx="1">
+            <a:schemeClr val="accent1"/>
+          </a:fillRef>
+          <a:effectRef idx="0">
+            <a:schemeClr val="accent1"/>
+          </a:effectRef>
+          <a:fontRef idx="minor">
+            <a:schemeClr val="lt1"/>
+          </a:fontRef>
+        </p:style>
+        <p:txBody>
+          <a:bodyPr rtlCol="0" anchor="ctr"/>
+          <a:lstStyle/>
+          <a:p>
+            <a:pPr algn="ctr"/>
+            <a:endParaRPr lang="de-DE">
+              <a:solidFill>
+                <a:schemeClr val="tx1"/>
+              </a:solidFill>
+            </a:endParaRPr>
+          </a:p>
+        </p:txBody>
+      </p:sp>
+      <p:sp>
+        <p:nvSpPr>
+          <p:cNvPr id="28" name="Nach unten gekrümmter Pfeil 27"/>
+          <p:cNvSpPr/>
+          <p:nvPr/>
+        </p:nvSpPr>
+        <p:spPr>
+          <a:xfrm rot="3003867">
+            <a:off x="7414350" y="640709"/>
+            <a:ext cx="1531632" cy="469557"/>
+          </a:xfrm>
+          <a:prstGeom prst="curvedDownArrow">
+            <a:avLst>
+              <a:gd name="adj1" fmla="val 40083"/>
+              <a:gd name="adj2" fmla="val 106733"/>
+              <a:gd name="adj3" fmla="val 46120"/>
+            </a:avLst>
+          </a:prstGeom>
+          <a:ln>
+            <a:solidFill>
+              <a:schemeClr val="tx1">
+                <a:lumMod val="65000"/>
+              </a:schemeClr>
+            </a:solidFill>
+          </a:ln>
+        </p:spPr>
+        <p:style>
+          <a:lnRef idx="2">
+            <a:schemeClr val="accent1">
+              <a:shade val="50000"/>
+            </a:schemeClr>
+          </a:lnRef>
+          <a:fillRef idx="1">
+            <a:schemeClr val="accent1"/>
+          </a:fillRef>
+          <a:effectRef idx="0">
+            <a:schemeClr val="accent1"/>
+          </a:effectRef>
+          <a:fontRef idx="minor">
+            <a:schemeClr val="lt1"/>
+          </a:fontRef>
+        </p:style>
+        <p:txBody>
+          <a:bodyPr rtlCol="0" anchor="ctr"/>
+          <a:lstStyle/>
+          <a:p>
+            <a:pPr algn="ctr"/>
+            <a:endParaRPr lang="de-DE">
+              <a:solidFill>
+                <a:schemeClr val="tx1"/>
+              </a:solidFill>
+            </a:endParaRPr>
+          </a:p>
+        </p:txBody>
+      </p:sp>
+      <p:sp>
+        <p:nvSpPr>
+          <p:cNvPr id="29" name="Nach unten gekrümmter Pfeil 28"/>
+          <p:cNvSpPr/>
+          <p:nvPr/>
+        </p:nvSpPr>
+        <p:spPr>
+          <a:xfrm rot="3003867">
+            <a:off x="8552084" y="1730946"/>
+            <a:ext cx="1531632" cy="469557"/>
+          </a:xfrm>
+          <a:prstGeom prst="curvedDownArrow">
+            <a:avLst>
+              <a:gd name="adj1" fmla="val 40083"/>
+              <a:gd name="adj2" fmla="val 106733"/>
+              <a:gd name="adj3" fmla="val 46120"/>
+            </a:avLst>
+          </a:prstGeom>
+          <a:ln>
+            <a:solidFill>
+              <a:schemeClr val="tx1">
+                <a:lumMod val="65000"/>
+              </a:schemeClr>
+            </a:solidFill>
+          </a:ln>
+        </p:spPr>
+        <p:style>
+          <a:lnRef idx="2">
+            <a:schemeClr val="accent1">
+              <a:shade val="50000"/>
+            </a:schemeClr>
+          </a:lnRef>
+          <a:fillRef idx="1">
+            <a:schemeClr val="accent1"/>
+          </a:fillRef>
+          <a:effectRef idx="0">
+            <a:schemeClr val="accent1"/>
+          </a:effectRef>
+          <a:fontRef idx="minor">
+            <a:schemeClr val="lt1"/>
+          </a:fontRef>
+        </p:style>
+        <p:txBody>
+          <a:bodyPr rtlCol="0" anchor="ctr"/>
+          <a:lstStyle/>
+          <a:p>
+            <a:pPr algn="ctr"/>
+            <a:endParaRPr lang="de-DE">
+              <a:solidFill>
+                <a:schemeClr val="tx1"/>
+              </a:solidFill>
+            </a:endParaRPr>
+          </a:p>
+        </p:txBody>
+      </p:sp>
+      <p:sp>
+        <p:nvSpPr>
+          <p:cNvPr id="30" name="Nach unten gekrümmter Pfeil 29"/>
+          <p:cNvSpPr/>
+          <p:nvPr/>
+        </p:nvSpPr>
+        <p:spPr>
+          <a:xfrm rot="3003867">
+            <a:off x="9552400" y="2864057"/>
+            <a:ext cx="1531632" cy="469557"/>
+          </a:xfrm>
+          <a:prstGeom prst="curvedDownArrow">
+            <a:avLst>
+              <a:gd name="adj1" fmla="val 40083"/>
+              <a:gd name="adj2" fmla="val 106733"/>
+              <a:gd name="adj3" fmla="val 46120"/>
+            </a:avLst>
+          </a:prstGeom>
+          <a:ln>
+            <a:solidFill>
+              <a:schemeClr val="tx1">
+                <a:lumMod val="65000"/>
+              </a:schemeClr>
+            </a:solidFill>
+          </a:ln>
+        </p:spPr>
+        <p:style>
+          <a:lnRef idx="2">
+            <a:schemeClr val="accent1">
+              <a:shade val="50000"/>
+            </a:schemeClr>
+          </a:lnRef>
+          <a:fillRef idx="1">
+            <a:schemeClr val="accent1"/>
+          </a:fillRef>
+          <a:effectRef idx="0">
+            <a:schemeClr val="accent1"/>
+          </a:effectRef>
+          <a:fontRef idx="minor">
+            <a:schemeClr val="lt1"/>
+          </a:fontRef>
+        </p:style>
+        <p:txBody>
+          <a:bodyPr rtlCol="0" anchor="ctr"/>
+          <a:lstStyle/>
+          <a:p>
+            <a:pPr algn="ctr"/>
+            <a:endParaRPr lang="de-DE">
+              <a:solidFill>
+                <a:schemeClr val="tx1"/>
+              </a:solidFill>
+            </a:endParaRPr>
+          </a:p>
+        </p:txBody>
+      </p:sp>
+      <p:sp>
+        <p:nvSpPr>
+          <p:cNvPr id="31" name="Nach unten gekrümmter Pfeil 30"/>
+          <p:cNvSpPr/>
+          <p:nvPr/>
+        </p:nvSpPr>
+        <p:spPr>
+          <a:xfrm rot="3003867">
+            <a:off x="10653429" y="3973048"/>
+            <a:ext cx="1531632" cy="469557"/>
+          </a:xfrm>
+          <a:prstGeom prst="curvedDownArrow">
+            <a:avLst>
+              <a:gd name="adj1" fmla="val 40083"/>
+              <a:gd name="adj2" fmla="val 106733"/>
+              <a:gd name="adj3" fmla="val 46120"/>
+            </a:avLst>
+          </a:prstGeom>
+          <a:ln>
+            <a:solidFill>
+              <a:schemeClr val="tx1">
+                <a:lumMod val="65000"/>
+              </a:schemeClr>
+            </a:solidFill>
+          </a:ln>
+        </p:spPr>
+        <p:style>
+          <a:lnRef idx="2">
+            <a:schemeClr val="accent1">
+              <a:shade val="50000"/>
+            </a:schemeClr>
+          </a:lnRef>
+          <a:fillRef idx="1">
+            <a:schemeClr val="accent1"/>
+          </a:fillRef>
+          <a:effectRef idx="0">
+            <a:schemeClr val="accent1"/>
+          </a:effectRef>
+          <a:fontRef idx="minor">
+            <a:schemeClr val="lt1"/>
+          </a:fontRef>
+        </p:style>
+        <p:txBody>
+          <a:bodyPr rtlCol="0" anchor="ctr"/>
+          <a:lstStyle/>
+          <a:p>
+            <a:pPr algn="ctr"/>
+            <a:endParaRPr lang="de-DE">
+              <a:solidFill>
+                <a:schemeClr val="tx1"/>
+              </a:solidFill>
+            </a:endParaRPr>
+          </a:p>
+        </p:txBody>
+      </p:sp>
     </p:spTree>
     <p:extLst>
       <p:ext uri="{BB962C8B-B14F-4D97-AF65-F5344CB8AC3E}">
-        <p14:creationId xmlns:p14="http://schemas.microsoft.com/office/powerpoint/2010/main" val="1254111375"/>
+        <p14:creationId xmlns:p14="http://schemas.microsoft.com/office/powerpoint/2010/main" val="2588973158"/>
       </p:ext>
     </p:extLst>
   </p:cSld>
@@ -6240,67 +6812,78 @@
         </p:nvSpPr>
         <p:spPr>
           <a:xfrm>
-            <a:off x="215900" y="200025"/>
-            <a:ext cx="4667250" cy="1743075"/>
+            <a:off x="165100" y="187325"/>
+            <a:ext cx="10515600" cy="1325563"/>
+          </a:xfrm>
+        </p:spPr>
+        <p:txBody>
+          <a:bodyPr/>
+          <a:lstStyle/>
+          <a:p>
+            <a:r>
+              <a:rPr lang="de-DE" dirty="0" smtClean="0"/>
+              <a:t>Was macht die Webseite?</a:t>
+            </a:r>
+            <a:endParaRPr lang="de-DE" dirty="0"/>
+          </a:p>
+        </p:txBody>
+      </p:sp>
+      <p:sp>
+        <p:nvSpPr>
+          <p:cNvPr id="3" name="Inhaltsplatzhalter 2"/>
+          <p:cNvSpPr>
+            <a:spLocks noGrp="1"/>
+          </p:cNvSpPr>
+          <p:nvPr>
+            <p:ph idx="1"/>
+          </p:nvPr>
+        </p:nvSpPr>
+        <p:spPr>
+          <a:xfrm>
+            <a:off x="6451600" y="4213225"/>
+            <a:ext cx="5016500" cy="1971675"/>
           </a:xfrm>
         </p:spPr>
         <p:txBody>
           <a:bodyPr>
-            <a:normAutofit/>
+            <a:normAutofit lnSpcReduction="10000"/>
           </a:bodyPr>
           <a:lstStyle/>
           <a:p>
             <a:r>
               <a:rPr lang="de-DE" dirty="0" smtClean="0"/>
-              <a:t>Was Sehe </a:t>
-            </a:r>
-            <a:br>
+              <a:t>Info Seite für Touristen</a:t>
+            </a:r>
+          </a:p>
+          <a:p>
+            <a:r>
               <a:rPr lang="de-DE" dirty="0" smtClean="0"/>
-            </a:br>
+              <a:t>Werbeplattform für </a:t>
+            </a:r>
+          </a:p>
+          <a:p>
+            <a:pPr lvl="1"/>
             <a:r>
               <a:rPr lang="de-DE" dirty="0" smtClean="0"/>
-              <a:t>ich?</a:t>
-            </a:r>
-            <a:endParaRPr lang="de-DE" dirty="0"/>
-          </a:p>
-        </p:txBody>
-      </p:sp>
-      <p:sp>
-        <p:nvSpPr>
-          <p:cNvPr id="3" name="Inhaltsplatzhalter 2"/>
-          <p:cNvSpPr>
-            <a:spLocks noGrp="1"/>
-          </p:cNvSpPr>
-          <p:nvPr>
-            <p:ph idx="1"/>
-          </p:nvPr>
-        </p:nvSpPr>
-        <p:spPr>
-          <a:xfrm>
-            <a:off x="766375" y="2232361"/>
-            <a:ext cx="2931300" cy="2886075"/>
-          </a:xfrm>
-        </p:spPr>
-        <p:txBody>
-          <a:bodyPr/>
-          <a:lstStyle/>
-          <a:p>
+              <a:t>Hotels</a:t>
+            </a:r>
+          </a:p>
+          <a:p>
+            <a:pPr lvl="1"/>
             <a:r>
               <a:rPr lang="de-DE" dirty="0" smtClean="0"/>
-              <a:t>Menü- Links</a:t>
-            </a:r>
-          </a:p>
-          <a:p>
+              <a:t>Restaurants</a:t>
+            </a:r>
+          </a:p>
+          <a:p>
+            <a:pPr lvl="1"/>
             <a:r>
               <a:rPr lang="de-DE" dirty="0" smtClean="0"/>
-              <a:t>Sprachfeld</a:t>
-            </a:r>
-          </a:p>
-          <a:p>
-            <a:r>
-              <a:rPr lang="de-DE" dirty="0" smtClean="0"/>
-              <a:t>Einzelne Beiträge</a:t>
-            </a:r>
+              <a:t>Bars</a:t>
+            </a:r>
+          </a:p>
+          <a:p>
+            <a:endParaRPr lang="de-DE" dirty="0" smtClean="0"/>
           </a:p>
           <a:p>
             <a:endParaRPr lang="de-DE" dirty="0" smtClean="0"/>
@@ -6319,41 +6902,93 @@
           <p:nvPr/>
         </p:nvPicPr>
         <p:blipFill>
-          <a:blip r:embed="rId2"/>
+          <a:blip r:embed="rId2">
+            <a:extLst>
+              <a:ext uri="{28A0092B-C50C-407E-A947-70E740481C1C}">
+                <a14:useLocalDpi xmlns:a14="http://schemas.microsoft.com/office/drawing/2010/main" val="0"/>
+              </a:ext>
+            </a:extLst>
+          </a:blip>
           <a:stretch>
             <a:fillRect/>
           </a:stretch>
         </p:blipFill>
         <p:spPr>
           <a:xfrm>
-            <a:off x="3697675" y="207055"/>
-            <a:ext cx="7626350" cy="6410995"/>
-          </a:xfrm>
-          <a:prstGeom prst="rect">
-            <a:avLst/>
+            <a:off x="165100" y="1755775"/>
+            <a:ext cx="6007100" cy="3994722"/>
+          </a:xfrm>
+          <a:prstGeom prst="roundRect">
+            <a:avLst>
+              <a:gd name="adj" fmla="val 8594"/>
+            </a:avLst>
           </a:prstGeom>
+          <a:solidFill>
+            <a:srgbClr val="FFFFFF">
+              <a:shade val="85000"/>
+            </a:srgbClr>
+          </a:solidFill>
           <a:ln>
             <a:noFill/>
           </a:ln>
           <a:effectLst>
-            <a:outerShdw blurRad="292100" dist="139700" dir="2700000" algn="tl" rotWithShape="0">
-              <a:srgbClr val="333333">
-                <a:alpha val="65000"/>
-              </a:srgbClr>
-            </a:outerShdw>
+            <a:reflection blurRad="12700" stA="38000" endPos="28000" dist="5000" dir="5400000" sy="-100000" algn="bl" rotWithShape="0"/>
           </a:effectLst>
         </p:spPr>
       </p:pic>
       <p:pic>
         <p:nvPicPr>
-          <p:cNvPr id="8" name="Grafik 7"/>
+          <p:cNvPr id="5" name="Grafik 4"/>
           <p:cNvPicPr>
             <a:picLocks noChangeAspect="1"/>
           </p:cNvPicPr>
           <p:nvPr/>
         </p:nvPicPr>
         <p:blipFill>
-          <a:blip r:embed="rId3" cstate="print">
+          <a:blip r:embed="rId3">
+            <a:extLst>
+              <a:ext uri="{28A0092B-C50C-407E-A947-70E740481C1C}">
+                <a14:useLocalDpi xmlns:a14="http://schemas.microsoft.com/office/drawing/2010/main" val="0"/>
+              </a:ext>
+            </a:extLst>
+          </a:blip>
+          <a:stretch>
+            <a:fillRect/>
+          </a:stretch>
+        </p:blipFill>
+        <p:spPr>
+          <a:xfrm>
+            <a:off x="7573822" y="414111"/>
+            <a:ext cx="4618178" cy="3467100"/>
+          </a:xfrm>
+          <a:prstGeom prst="roundRect">
+            <a:avLst>
+              <a:gd name="adj" fmla="val 8594"/>
+            </a:avLst>
+          </a:prstGeom>
+          <a:solidFill>
+            <a:srgbClr val="FFFFFF">
+              <a:shade val="85000"/>
+            </a:srgbClr>
+          </a:solidFill>
+          <a:ln>
+            <a:noFill/>
+          </a:ln>
+          <a:effectLst>
+            <a:reflection blurRad="12700" stA="38000" endPos="28000" dist="5000" dir="5400000" sy="-100000" algn="bl" rotWithShape="0"/>
+          </a:effectLst>
+        </p:spPr>
+      </p:pic>
+      <p:pic>
+        <p:nvPicPr>
+          <p:cNvPr id="6" name="Grafik 5"/>
+          <p:cNvPicPr>
+            <a:picLocks noChangeAspect="1"/>
+          </p:cNvPicPr>
+          <p:nvPr/>
+        </p:nvPicPr>
+        <p:blipFill>
+          <a:blip r:embed="rId4" cstate="print">
             <a:extLst>
               <a:ext uri="{28A0092B-C50C-407E-A947-70E740481C1C}">
                 <a14:useLocalDpi xmlns:a14="http://schemas.microsoft.com/office/drawing/2010/main" val="0"/>
@@ -6391,7 +7026,7 @@
     </p:spTree>
     <p:extLst>
       <p:ext uri="{BB962C8B-B14F-4D97-AF65-F5344CB8AC3E}">
-        <p14:creationId xmlns:p14="http://schemas.microsoft.com/office/powerpoint/2010/main" val="1777144590"/>
+        <p14:creationId xmlns:p14="http://schemas.microsoft.com/office/powerpoint/2010/main" val="1254111375"/>
       </p:ext>
     </p:extLst>
   </p:cSld>
@@ -6437,21 +7072,28 @@
         </p:nvSpPr>
         <p:spPr>
           <a:xfrm>
-            <a:off x="229800" y="365125"/>
-            <a:ext cx="6007100" cy="1057275"/>
+            <a:off x="215900" y="200025"/>
+            <a:ext cx="4667250" cy="1743075"/>
           </a:xfrm>
         </p:spPr>
         <p:txBody>
           <a:bodyPr>
-            <a:normAutofit fontScale="90000"/>
+            <a:normAutofit/>
           </a:bodyPr>
           <a:lstStyle/>
           <a:p>
             <a:r>
-              <a:rPr lang="de-DE" sz="4800" dirty="0" smtClean="0"/>
-              <a:t>Was Kann die Webseite?</a:t>
-            </a:r>
-            <a:endParaRPr lang="de-DE" sz="4800" dirty="0"/>
+              <a:rPr lang="de-DE" dirty="0" smtClean="0"/>
+              <a:t>Was Sehe </a:t>
+            </a:r>
+            <a:br>
+              <a:rPr lang="de-DE" dirty="0" smtClean="0"/>
+            </a:br>
+            <a:r>
+              <a:rPr lang="de-DE" dirty="0" smtClean="0"/>
+              <a:t>ich?</a:t>
+            </a:r>
+            <a:endParaRPr lang="de-DE" dirty="0"/>
           </a:p>
         </p:txBody>
       </p:sp>
@@ -6467,8 +7109,8 @@
         </p:nvSpPr>
         <p:spPr>
           <a:xfrm>
-            <a:off x="6950093" y="365125"/>
-            <a:ext cx="4937900" cy="2382838"/>
+            <a:off x="766375" y="2232361"/>
+            <a:ext cx="2931300" cy="2886075"/>
           </a:xfrm>
         </p:spPr>
         <p:txBody>
@@ -6476,32 +7118,20 @@
           <a:lstStyle/>
           <a:p>
             <a:r>
-              <a:rPr lang="de-DE" sz="2400" dirty="0" smtClean="0"/>
-              <a:t>Karte anzeigen </a:t>
-            </a:r>
-          </a:p>
-          <a:p>
-            <a:r>
-              <a:rPr lang="de-DE" sz="2400" dirty="0" smtClean="0"/>
-              <a:t>Bildgalerien</a:t>
-            </a:r>
-          </a:p>
-          <a:p>
-            <a:r>
-              <a:rPr lang="de-DE" sz="2400" dirty="0" smtClean="0"/>
-              <a:t>Beiträge Sortieren</a:t>
-            </a:r>
-          </a:p>
-          <a:p>
-            <a:r>
-              <a:rPr lang="de-DE" sz="2400" dirty="0" smtClean="0"/>
-              <a:t>Informieren</a:t>
-            </a:r>
-          </a:p>
-          <a:p>
-            <a:r>
-              <a:rPr lang="de-DE" sz="2400" dirty="0" smtClean="0"/>
-              <a:t>Kommentare Hinterlassen</a:t>
+              <a:rPr lang="de-DE" dirty="0" smtClean="0"/>
+              <a:t>Menü- Links</a:t>
+            </a:r>
+          </a:p>
+          <a:p>
+            <a:r>
+              <a:rPr lang="de-DE" dirty="0" smtClean="0"/>
+              <a:t>Sprachfeld</a:t>
+            </a:r>
+          </a:p>
+          <a:p>
+            <a:r>
+              <a:rPr lang="de-DE" dirty="0" smtClean="0"/>
+              <a:t>Einzelne Beiträge</a:t>
             </a:r>
           </a:p>
           <a:p>
@@ -6528,111 +7158,34 @@
         </p:blipFill>
         <p:spPr>
           <a:xfrm>
-            <a:off x="6607492" y="2909665"/>
-            <a:ext cx="5280501" cy="2836430"/>
-          </a:xfrm>
-          <a:prstGeom prst="roundRect">
-            <a:avLst>
-              <a:gd name="adj" fmla="val 8594"/>
-            </a:avLst>
+            <a:off x="3697675" y="207055"/>
+            <a:ext cx="7626350" cy="6410995"/>
+          </a:xfrm>
+          <a:prstGeom prst="rect">
+            <a:avLst/>
           </a:prstGeom>
-          <a:solidFill>
-            <a:srgbClr val="FFFFFF">
-              <a:shade val="85000"/>
-            </a:srgbClr>
-          </a:solidFill>
           <a:ln>
             <a:noFill/>
           </a:ln>
           <a:effectLst>
-            <a:reflection blurRad="12700" stA="38000" endPos="28000" dist="5000" dir="5400000" sy="-100000" algn="bl" rotWithShape="0"/>
+            <a:outerShdw blurRad="292100" dist="139700" dir="2700000" algn="tl" rotWithShape="0">
+              <a:srgbClr val="333333">
+                <a:alpha val="65000"/>
+              </a:srgbClr>
+            </a:outerShdw>
           </a:effectLst>
         </p:spPr>
       </p:pic>
       <p:pic>
         <p:nvPicPr>
-          <p:cNvPr id="5" name="Grafik 4"/>
+          <p:cNvPr id="8" name="Grafik 7"/>
           <p:cNvPicPr>
             <a:picLocks noChangeAspect="1"/>
           </p:cNvPicPr>
           <p:nvPr/>
         </p:nvPicPr>
         <p:blipFill>
-          <a:blip r:embed="rId3"/>
-          <a:stretch>
-            <a:fillRect/>
-          </a:stretch>
-        </p:blipFill>
-        <p:spPr>
-          <a:xfrm>
-            <a:off x="344100" y="1117423"/>
-            <a:ext cx="3707200" cy="2905480"/>
-          </a:xfrm>
-          <a:prstGeom prst="roundRect">
-            <a:avLst>
-              <a:gd name="adj" fmla="val 8594"/>
-            </a:avLst>
-          </a:prstGeom>
-          <a:solidFill>
-            <a:srgbClr val="FFFFFF">
-              <a:shade val="85000"/>
-            </a:srgbClr>
-          </a:solidFill>
-          <a:ln>
-            <a:noFill/>
-          </a:ln>
-          <a:effectLst>
-            <a:reflection blurRad="12700" stA="38000" endPos="28000" dist="5000" dir="5400000" sy="-100000" algn="bl" rotWithShape="0"/>
-          </a:effectLst>
-        </p:spPr>
-      </p:pic>
-      <p:pic>
-        <p:nvPicPr>
-          <p:cNvPr id="6" name="Grafik 5"/>
-          <p:cNvPicPr>
-            <a:picLocks noChangeAspect="1"/>
-          </p:cNvPicPr>
-          <p:nvPr/>
-        </p:nvPicPr>
-        <p:blipFill>
-          <a:blip r:embed="rId4"/>
-          <a:stretch>
-            <a:fillRect/>
-          </a:stretch>
-        </p:blipFill>
-        <p:spPr>
-          <a:xfrm>
-            <a:off x="611692" y="4191000"/>
-            <a:ext cx="5625208" cy="2370137"/>
-          </a:xfrm>
-          <a:prstGeom prst="roundRect">
-            <a:avLst>
-              <a:gd name="adj" fmla="val 8594"/>
-            </a:avLst>
-          </a:prstGeom>
-          <a:solidFill>
-            <a:srgbClr val="FFFFFF">
-              <a:shade val="85000"/>
-            </a:srgbClr>
-          </a:solidFill>
-          <a:ln>
-            <a:noFill/>
-          </a:ln>
-          <a:effectLst>
-            <a:reflection blurRad="12700" stA="38000" endPos="28000" dist="5000" dir="5400000" sy="-100000" algn="bl" rotWithShape="0"/>
-          </a:effectLst>
-        </p:spPr>
-      </p:pic>
-      <p:pic>
-        <p:nvPicPr>
-          <p:cNvPr id="7" name="Grafik 6"/>
-          <p:cNvPicPr>
-            <a:picLocks noChangeAspect="1"/>
-          </p:cNvPicPr>
-          <p:nvPr/>
-        </p:nvPicPr>
-        <p:blipFill>
-          <a:blip r:embed="rId5" cstate="print">
+          <a:blip r:embed="rId3" cstate="print">
             <a:extLst>
               <a:ext uri="{28A0092B-C50C-407E-A947-70E740481C1C}">
                 <a14:useLocalDpi xmlns:a14="http://schemas.microsoft.com/office/drawing/2010/main" val="0"/>
@@ -6670,7 +7223,7 @@
     </p:spTree>
     <p:extLst>
       <p:ext uri="{BB962C8B-B14F-4D97-AF65-F5344CB8AC3E}">
-        <p14:creationId xmlns:p14="http://schemas.microsoft.com/office/powerpoint/2010/main" val="1291717279"/>
+        <p14:creationId xmlns:p14="http://schemas.microsoft.com/office/powerpoint/2010/main" val="1777144590"/>
       </p:ext>
     </p:extLst>
   </p:cSld>
@@ -6714,6 +7267,330 @@
             <p:ph type="title"/>
           </p:nvPr>
         </p:nvSpPr>
+        <p:spPr>
+          <a:xfrm>
+            <a:off x="229800" y="365125"/>
+            <a:ext cx="6007100" cy="1057275"/>
+          </a:xfrm>
+        </p:spPr>
+        <p:txBody>
+          <a:bodyPr>
+            <a:normAutofit fontScale="90000"/>
+          </a:bodyPr>
+          <a:lstStyle/>
+          <a:p>
+            <a:r>
+              <a:rPr lang="de-DE" sz="4800" dirty="0" smtClean="0"/>
+              <a:t>Was </a:t>
+            </a:r>
+            <a:r>
+              <a:rPr lang="de-DE" sz="4800" dirty="0" smtClean="0"/>
+              <a:t>kann </a:t>
+            </a:r>
+            <a:r>
+              <a:rPr lang="de-DE" sz="4800" dirty="0" smtClean="0"/>
+              <a:t>die Webseite?</a:t>
+            </a:r>
+            <a:endParaRPr lang="de-DE" sz="4800" dirty="0"/>
+          </a:p>
+        </p:txBody>
+      </p:sp>
+      <p:sp>
+        <p:nvSpPr>
+          <p:cNvPr id="3" name="Inhaltsplatzhalter 2"/>
+          <p:cNvSpPr>
+            <a:spLocks noGrp="1"/>
+          </p:cNvSpPr>
+          <p:nvPr>
+            <p:ph idx="1"/>
+          </p:nvPr>
+        </p:nvSpPr>
+        <p:spPr>
+          <a:xfrm>
+            <a:off x="6950093" y="365125"/>
+            <a:ext cx="4937900" cy="2382838"/>
+          </a:xfrm>
+        </p:spPr>
+        <p:txBody>
+          <a:bodyPr>
+            <a:normAutofit fontScale="92500" lnSpcReduction="10000"/>
+          </a:bodyPr>
+          <a:lstStyle/>
+          <a:p>
+            <a:r>
+              <a:rPr lang="de-DE" sz="2400" dirty="0" smtClean="0"/>
+              <a:t>Karte anzeigen </a:t>
+            </a:r>
+          </a:p>
+          <a:p>
+            <a:r>
+              <a:rPr lang="de-DE" sz="2400" dirty="0" smtClean="0"/>
+              <a:t>Bildgalerien</a:t>
+            </a:r>
+          </a:p>
+          <a:p>
+            <a:r>
+              <a:rPr lang="de-DE" sz="2400" dirty="0" smtClean="0"/>
+              <a:t>Beiträge Sortieren</a:t>
+            </a:r>
+          </a:p>
+          <a:p>
+            <a:r>
+              <a:rPr lang="de-DE" sz="2400" dirty="0" smtClean="0"/>
+              <a:t>Informieren</a:t>
+            </a:r>
+          </a:p>
+          <a:p>
+            <a:r>
+              <a:rPr lang="de-DE" sz="2400" dirty="0" smtClean="0"/>
+              <a:t>Kommentare </a:t>
+            </a:r>
+            <a:r>
+              <a:rPr lang="de-DE" sz="2400" dirty="0" smtClean="0"/>
+              <a:t>Hinterlassen</a:t>
+            </a:r>
+          </a:p>
+          <a:p>
+            <a:r>
+              <a:rPr lang="de-DE" sz="2400" dirty="0" smtClean="0"/>
+              <a:t>Mehrere Sprachen</a:t>
+            </a:r>
+            <a:endParaRPr lang="de-DE" sz="2400" dirty="0" smtClean="0"/>
+          </a:p>
+          <a:p>
+            <a:endParaRPr lang="de-DE" dirty="0" smtClean="0"/>
+          </a:p>
+          <a:p>
+            <a:endParaRPr lang="de-DE" dirty="0"/>
+          </a:p>
+        </p:txBody>
+      </p:sp>
+      <p:pic>
+        <p:nvPicPr>
+          <p:cNvPr id="4" name="Grafik 3"/>
+          <p:cNvPicPr>
+            <a:picLocks noChangeAspect="1"/>
+          </p:cNvPicPr>
+          <p:nvPr/>
+        </p:nvPicPr>
+        <p:blipFill>
+          <a:blip r:embed="rId2"/>
+          <a:stretch>
+            <a:fillRect/>
+          </a:stretch>
+        </p:blipFill>
+        <p:spPr>
+          <a:xfrm>
+            <a:off x="6607492" y="2909665"/>
+            <a:ext cx="5280501" cy="2836430"/>
+          </a:xfrm>
+          <a:prstGeom prst="roundRect">
+            <a:avLst>
+              <a:gd name="adj" fmla="val 8594"/>
+            </a:avLst>
+          </a:prstGeom>
+          <a:solidFill>
+            <a:srgbClr val="FFFFFF">
+              <a:shade val="85000"/>
+            </a:srgbClr>
+          </a:solidFill>
+          <a:ln>
+            <a:noFill/>
+          </a:ln>
+          <a:effectLst>
+            <a:reflection blurRad="12700" stA="38000" endPos="28000" dist="5000" dir="5400000" sy="-100000" algn="bl" rotWithShape="0"/>
+          </a:effectLst>
+        </p:spPr>
+      </p:pic>
+      <p:pic>
+        <p:nvPicPr>
+          <p:cNvPr id="5" name="Grafik 4"/>
+          <p:cNvPicPr>
+            <a:picLocks noChangeAspect="1"/>
+          </p:cNvPicPr>
+          <p:nvPr/>
+        </p:nvPicPr>
+        <p:blipFill>
+          <a:blip r:embed="rId3"/>
+          <a:stretch>
+            <a:fillRect/>
+          </a:stretch>
+        </p:blipFill>
+        <p:spPr>
+          <a:xfrm>
+            <a:off x="344100" y="1117423"/>
+            <a:ext cx="3707200" cy="2905480"/>
+          </a:xfrm>
+          <a:prstGeom prst="roundRect">
+            <a:avLst>
+              <a:gd name="adj" fmla="val 8594"/>
+            </a:avLst>
+          </a:prstGeom>
+          <a:solidFill>
+            <a:srgbClr val="FFFFFF">
+              <a:shade val="85000"/>
+            </a:srgbClr>
+          </a:solidFill>
+          <a:ln>
+            <a:noFill/>
+          </a:ln>
+          <a:effectLst>
+            <a:reflection blurRad="12700" stA="38000" endPos="28000" dist="5000" dir="5400000" sy="-100000" algn="bl" rotWithShape="0"/>
+          </a:effectLst>
+        </p:spPr>
+      </p:pic>
+      <p:pic>
+        <p:nvPicPr>
+          <p:cNvPr id="6" name="Grafik 5"/>
+          <p:cNvPicPr>
+            <a:picLocks noChangeAspect="1"/>
+          </p:cNvPicPr>
+          <p:nvPr/>
+        </p:nvPicPr>
+        <p:blipFill>
+          <a:blip r:embed="rId4"/>
+          <a:stretch>
+            <a:fillRect/>
+          </a:stretch>
+        </p:blipFill>
+        <p:spPr>
+          <a:xfrm>
+            <a:off x="611692" y="4191000"/>
+            <a:ext cx="5625208" cy="2370137"/>
+          </a:xfrm>
+          <a:prstGeom prst="roundRect">
+            <a:avLst>
+              <a:gd name="adj" fmla="val 8594"/>
+            </a:avLst>
+          </a:prstGeom>
+          <a:solidFill>
+            <a:srgbClr val="FFFFFF">
+              <a:shade val="85000"/>
+            </a:srgbClr>
+          </a:solidFill>
+          <a:ln>
+            <a:noFill/>
+          </a:ln>
+          <a:effectLst>
+            <a:reflection blurRad="12700" stA="38000" endPos="28000" dist="5000" dir="5400000" sy="-100000" algn="bl" rotWithShape="0"/>
+          </a:effectLst>
+        </p:spPr>
+      </p:pic>
+      <p:pic>
+        <p:nvPicPr>
+          <p:cNvPr id="7" name="Grafik 6"/>
+          <p:cNvPicPr>
+            <a:picLocks noChangeAspect="1"/>
+          </p:cNvPicPr>
+          <p:nvPr/>
+        </p:nvPicPr>
+        <p:blipFill>
+          <a:blip r:embed="rId5" cstate="print">
+            <a:extLst>
+              <a:ext uri="{28A0092B-C50C-407E-A947-70E740481C1C}">
+                <a14:useLocalDpi xmlns:a14="http://schemas.microsoft.com/office/drawing/2010/main" val="0"/>
+              </a:ext>
+            </a:extLst>
+          </a:blip>
+          <a:stretch>
+            <a:fillRect/>
+          </a:stretch>
+        </p:blipFill>
+        <p:spPr>
+          <a:xfrm>
+            <a:off x="11419246" y="0"/>
+            <a:ext cx="772754" cy="414111"/>
+          </a:xfrm>
+          <a:prstGeom prst="rect">
+            <a:avLst/>
+          </a:prstGeom>
+          <a:ln w="38100" cap="sq">
+            <a:solidFill>
+              <a:srgbClr val="000000"/>
+            </a:solidFill>
+            <a:prstDash val="solid"/>
+            <a:miter lim="800000"/>
+          </a:ln>
+          <a:effectLst>
+            <a:outerShdw blurRad="50800" dist="38100" dir="2700000" algn="tl" rotWithShape="0">
+              <a:srgbClr val="000000">
+                <a:alpha val="43000"/>
+              </a:srgbClr>
+            </a:outerShdw>
+          </a:effectLst>
+        </p:spPr>
+      </p:pic>
+      <p:pic>
+        <p:nvPicPr>
+          <p:cNvPr id="8" name="Grafik 7"/>
+          <p:cNvPicPr>
+            <a:picLocks noChangeAspect="1"/>
+          </p:cNvPicPr>
+          <p:nvPr/>
+        </p:nvPicPr>
+        <p:blipFill>
+          <a:blip r:embed="rId6"/>
+          <a:stretch>
+            <a:fillRect/>
+          </a:stretch>
+        </p:blipFill>
+        <p:spPr>
+          <a:xfrm>
+            <a:off x="4545771" y="1738313"/>
+            <a:ext cx="1876425" cy="2019300"/>
+          </a:xfrm>
+          <a:prstGeom prst="rect">
+            <a:avLst/>
+          </a:prstGeom>
+        </p:spPr>
+      </p:pic>
+    </p:spTree>
+    <p:extLst>
+      <p:ext uri="{BB962C8B-B14F-4D97-AF65-F5344CB8AC3E}">
+        <p14:creationId xmlns:p14="http://schemas.microsoft.com/office/powerpoint/2010/main" val="1291717279"/>
+      </p:ext>
+    </p:extLst>
+  </p:cSld>
+  <p:clrMapOvr>
+    <a:masterClrMapping/>
+  </p:clrMapOvr>
+  <p:timing>
+    <p:tnLst>
+      <p:par>
+        <p:cTn id="1" dur="indefinite" restart="never" nodeType="tmRoot"/>
+      </p:par>
+    </p:tnLst>
+  </p:timing>
+</p:sld>
+</file>
+
+<file path=ppt/slides/slide6.xml><?xml version="1.0" encoding="utf-8"?>
+<p:sld xmlns:a="http://schemas.openxmlformats.org/drawingml/2006/main" xmlns:r="http://schemas.openxmlformats.org/officeDocument/2006/relationships" xmlns:p="http://schemas.openxmlformats.org/presentationml/2006/main">
+  <p:cSld>
+    <p:spTree>
+      <p:nvGrpSpPr>
+        <p:cNvPr id="1" name=""/>
+        <p:cNvGrpSpPr/>
+        <p:nvPr/>
+      </p:nvGrpSpPr>
+      <p:grpSpPr>
+        <a:xfrm>
+          <a:off x="0" y="0"/>
+          <a:ext cx="0" cy="0"/>
+          <a:chOff x="0" y="0"/>
+          <a:chExt cx="0" cy="0"/>
+        </a:xfrm>
+      </p:grpSpPr>
+      <p:sp>
+        <p:nvSpPr>
+          <p:cNvPr id="2" name="Titel 1"/>
+          <p:cNvSpPr>
+            <a:spLocks noGrp="1"/>
+          </p:cNvSpPr>
+          <p:nvPr>
+            <p:ph type="title"/>
+          </p:nvPr>
+        </p:nvSpPr>
         <p:spPr/>
         <p:txBody>
           <a:bodyPr/>
@@ -6740,16 +7617,26 @@
         <p:spPr>
           <a:xfrm>
             <a:off x="1120000" y="1825625"/>
-            <a:ext cx="6755373" cy="1741359"/>
-          </a:xfrm>
-        </p:spPr>
-        <p:txBody>
-          <a:bodyPr/>
+            <a:ext cx="5205299" cy="1741359"/>
+          </a:xfrm>
+        </p:spPr>
+        <p:txBody>
+          <a:bodyPr>
+            <a:normAutofit lnSpcReduction="10000"/>
+          </a:bodyPr>
           <a:lstStyle/>
           <a:p>
             <a:r>
               <a:rPr lang="de-DE" dirty="0" smtClean="0"/>
-              <a:t>Selber Programmiert(Soweit wie es die Kenntnisse zuließen)</a:t>
+              <a:t>Selber </a:t>
+            </a:r>
+            <a:r>
+              <a:rPr lang="de-DE" dirty="0" smtClean="0"/>
+              <a:t>Programmiert(soweit </a:t>
+            </a:r>
+            <a:r>
+              <a:rPr lang="de-DE" dirty="0" smtClean="0"/>
+              <a:t>wie es die Kenntnisse zuließen)</a:t>
             </a:r>
           </a:p>
           <a:p>
@@ -6809,7 +7696,7 @@
       </p:pic>
       <p:pic>
         <p:nvPicPr>
-          <p:cNvPr id="5" name="Grafik 4"/>
+          <p:cNvPr id="6" name="Grafik 5"/>
           <p:cNvPicPr>
             <a:picLocks noChangeAspect="1"/>
           </p:cNvPicPr>
@@ -6823,8 +7710,45 @@
         </p:blipFill>
         <p:spPr>
           <a:xfrm>
-            <a:off x="1190496" y="3464525"/>
-            <a:ext cx="7800975" cy="3009900"/>
+            <a:off x="6661480" y="1586797"/>
+            <a:ext cx="5144143" cy="3132467"/>
+          </a:xfrm>
+          <a:prstGeom prst="roundRect">
+            <a:avLst>
+              <a:gd name="adj" fmla="val 8594"/>
+            </a:avLst>
+          </a:prstGeom>
+          <a:solidFill>
+            <a:srgbClr val="FFFFFF">
+              <a:shade val="85000"/>
+            </a:srgbClr>
+          </a:solidFill>
+          <a:ln>
+            <a:noFill/>
+          </a:ln>
+          <a:effectLst>
+            <a:reflection blurRad="12700" stA="38000" endPos="28000" dist="5000" dir="5400000" sy="-100000" algn="bl" rotWithShape="0"/>
+          </a:effectLst>
+        </p:spPr>
+      </p:pic>
+      <p:pic>
+        <p:nvPicPr>
+          <p:cNvPr id="8" name="Grafik 7"/>
+          <p:cNvPicPr>
+            <a:picLocks noChangeAspect="1"/>
+          </p:cNvPicPr>
+          <p:nvPr/>
+        </p:nvPicPr>
+        <p:blipFill>
+          <a:blip r:embed="rId4"/>
+          <a:stretch>
+            <a:fillRect/>
+          </a:stretch>
+        </p:blipFill>
+        <p:spPr>
+          <a:xfrm>
+            <a:off x="838200" y="4937049"/>
+            <a:ext cx="7296150" cy="1162050"/>
           </a:xfrm>
           <a:prstGeom prst="roundRect">
             <a:avLst>
@@ -6861,6 +7785,242 @@
       </p:par>
     </p:tnLst>
   </p:timing>
+</p:sld>
+</file>
+
+<file path=ppt/slides/slide7.xml><?xml version="1.0" encoding="utf-8"?>
+<p:sld xmlns:a="http://schemas.openxmlformats.org/drawingml/2006/main" xmlns:r="http://schemas.openxmlformats.org/officeDocument/2006/relationships" xmlns:p="http://schemas.openxmlformats.org/presentationml/2006/main">
+  <p:cSld>
+    <p:spTree>
+      <p:nvGrpSpPr>
+        <p:cNvPr id="1" name=""/>
+        <p:cNvGrpSpPr/>
+        <p:nvPr/>
+      </p:nvGrpSpPr>
+      <p:grpSpPr>
+        <a:xfrm>
+          <a:off x="0" y="0"/>
+          <a:ext cx="0" cy="0"/>
+          <a:chOff x="0" y="0"/>
+          <a:chExt cx="0" cy="0"/>
+        </a:xfrm>
+      </p:grpSpPr>
+      <p:sp>
+        <p:nvSpPr>
+          <p:cNvPr id="2" name="Titel 1"/>
+          <p:cNvSpPr>
+            <a:spLocks noGrp="1"/>
+          </p:cNvSpPr>
+          <p:nvPr>
+            <p:ph type="title"/>
+          </p:nvPr>
+        </p:nvSpPr>
+        <p:spPr/>
+        <p:txBody>
+          <a:bodyPr/>
+          <a:lstStyle/>
+          <a:p>
+            <a:r>
+              <a:rPr lang="de-DE" dirty="0" smtClean="0"/>
+              <a:t>Wartung und Einnahmen </a:t>
+            </a:r>
+            <a:endParaRPr lang="de-DE" dirty="0"/>
+          </a:p>
+        </p:txBody>
+      </p:sp>
+      <p:sp>
+        <p:nvSpPr>
+          <p:cNvPr id="3" name="Inhaltsplatzhalter 2"/>
+          <p:cNvSpPr>
+            <a:spLocks noGrp="1"/>
+          </p:cNvSpPr>
+          <p:nvPr>
+            <p:ph idx="1"/>
+          </p:nvPr>
+        </p:nvSpPr>
+        <p:spPr>
+          <a:xfrm>
+            <a:off x="1120000" y="1825625"/>
+            <a:ext cx="4028649" cy="2779326"/>
+          </a:xfrm>
+        </p:spPr>
+        <p:txBody>
+          <a:bodyPr/>
+          <a:lstStyle/>
+          <a:p>
+            <a:r>
+              <a:rPr lang="de-DE" dirty="0" smtClean="0"/>
+              <a:t>Neue Beiträge hinzufügen</a:t>
+            </a:r>
+          </a:p>
+          <a:p>
+            <a:r>
+              <a:rPr lang="de-DE" dirty="0" smtClean="0"/>
+              <a:t>Änderungen vornehmen</a:t>
+            </a:r>
+          </a:p>
+          <a:p>
+            <a:r>
+              <a:rPr lang="de-DE" dirty="0" smtClean="0"/>
+              <a:t>Weiterleitung zu Webseiten der Betriebe</a:t>
+            </a:r>
+            <a:endParaRPr lang="de-DE" dirty="0"/>
+          </a:p>
+        </p:txBody>
+      </p:sp>
+      <p:pic>
+        <p:nvPicPr>
+          <p:cNvPr id="11" name="Picture 14" descr="http://us.123rf.com/450wm/sarahdesign/sarahdesign1505/sarahdesign150502339/39775670-link-symbol.jpg?ver=6"/>
+          <p:cNvPicPr>
+            <a:picLocks noChangeAspect="1" noChangeArrowheads="1"/>
+          </p:cNvPicPr>
+          <p:nvPr/>
+        </p:nvPicPr>
+        <p:blipFill>
+          <a:blip r:embed="rId2">
+            <a:extLst>
+              <a:ext uri="{28A0092B-C50C-407E-A947-70E740481C1C}">
+                <a14:useLocalDpi xmlns:a14="http://schemas.microsoft.com/office/drawing/2010/main" val="0"/>
+              </a:ext>
+            </a:extLst>
+          </a:blip>
+          <a:srcRect/>
+          <a:stretch>
+            <a:fillRect/>
+          </a:stretch>
+        </p:blipFill>
+        <p:spPr bwMode="auto">
+          <a:xfrm>
+            <a:off x="1709124" y="4650319"/>
+            <a:ext cx="1953311" cy="1984176"/>
+          </a:xfrm>
+          <a:prstGeom prst="roundRect">
+            <a:avLst>
+              <a:gd name="adj" fmla="val 8594"/>
+            </a:avLst>
+          </a:prstGeom>
+          <a:solidFill>
+            <a:srgbClr val="FFFFFF">
+              <a:shade val="85000"/>
+            </a:srgbClr>
+          </a:solidFill>
+          <a:ln>
+            <a:noFill/>
+          </a:ln>
+          <a:effectLst>
+            <a:reflection blurRad="12700" stA="38000" endPos="28000" dist="5000" dir="5400000" sy="-100000" algn="bl" rotWithShape="0"/>
+          </a:effectLst>
+          <a:extLst>
+            <a:ext uri="{909E8E84-426E-40DD-AFC4-6F175D3DCCD1}">
+              <a14:hiddenFill xmlns:a14="http://schemas.microsoft.com/office/drawing/2010/main">
+                <a:solidFill>
+                  <a:srgbClr val="FFFFFF"/>
+                </a:solidFill>
+              </a14:hiddenFill>
+            </a:ext>
+          </a:extLst>
+        </p:spPr>
+      </p:pic>
+      <p:pic>
+        <p:nvPicPr>
+          <p:cNvPr id="2064" name="Picture 16" descr="http://previews.123rf.com/images/alexwhite/alexwhite1505/alexwhite150507139/40220732-money-violet-icon-cash-symbol-Stock-Photo.jpg"/>
+          <p:cNvPicPr>
+            <a:picLocks noChangeAspect="1" noChangeArrowheads="1"/>
+          </p:cNvPicPr>
+          <p:nvPr/>
+        </p:nvPicPr>
+        <p:blipFill>
+          <a:blip r:embed="rId3" cstate="print">
+            <a:extLst>
+              <a:ext uri="{28A0092B-C50C-407E-A947-70E740481C1C}">
+                <a14:useLocalDpi xmlns:a14="http://schemas.microsoft.com/office/drawing/2010/main" val="0"/>
+              </a:ext>
+            </a:extLst>
+          </a:blip>
+          <a:srcRect/>
+          <a:stretch>
+            <a:fillRect/>
+          </a:stretch>
+        </p:blipFill>
+        <p:spPr bwMode="auto">
+          <a:xfrm>
+            <a:off x="7120101" y="4318103"/>
+            <a:ext cx="2193925" cy="2193925"/>
+          </a:xfrm>
+          <a:prstGeom prst="roundRect">
+            <a:avLst>
+              <a:gd name="adj" fmla="val 8594"/>
+            </a:avLst>
+          </a:prstGeom>
+          <a:solidFill>
+            <a:srgbClr val="FFFFFF">
+              <a:shade val="85000"/>
+            </a:srgbClr>
+          </a:solidFill>
+          <a:ln>
+            <a:noFill/>
+          </a:ln>
+          <a:effectLst>
+            <a:reflection blurRad="12700" stA="38000" endPos="28000" dist="5000" dir="5400000" sy="-100000" algn="bl" rotWithShape="0"/>
+          </a:effectLst>
+          <a:extLst>
+            <a:ext uri="{909E8E84-426E-40DD-AFC4-6F175D3DCCD1}">
+              <a14:hiddenFill xmlns:a14="http://schemas.microsoft.com/office/drawing/2010/main">
+                <a:solidFill>
+                  <a:srgbClr val="FFFFFF"/>
+                </a:solidFill>
+              </a14:hiddenFill>
+            </a:ext>
+          </a:extLst>
+        </p:spPr>
+      </p:pic>
+      <p:pic>
+        <p:nvPicPr>
+          <p:cNvPr id="4" name="Grafik 3"/>
+          <p:cNvPicPr>
+            <a:picLocks noChangeAspect="1"/>
+          </p:cNvPicPr>
+          <p:nvPr/>
+        </p:nvPicPr>
+        <p:blipFill>
+          <a:blip r:embed="rId4"/>
+          <a:stretch>
+            <a:fillRect/>
+          </a:stretch>
+        </p:blipFill>
+        <p:spPr>
+          <a:xfrm>
+            <a:off x="7279802" y="1280088"/>
+            <a:ext cx="3924300" cy="2600325"/>
+          </a:xfrm>
+          <a:prstGeom prst="roundRect">
+            <a:avLst>
+              <a:gd name="adj" fmla="val 8594"/>
+            </a:avLst>
+          </a:prstGeom>
+          <a:solidFill>
+            <a:srgbClr val="FFFFFF">
+              <a:shade val="85000"/>
+            </a:srgbClr>
+          </a:solidFill>
+          <a:ln>
+            <a:noFill/>
+          </a:ln>
+          <a:effectLst>
+            <a:reflection blurRad="12700" stA="38000" endPos="28000" dist="5000" dir="5400000" sy="-100000" algn="bl" rotWithShape="0"/>
+          </a:effectLst>
+        </p:spPr>
+      </p:pic>
+    </p:spTree>
+    <p:extLst>
+      <p:ext uri="{BB962C8B-B14F-4D97-AF65-F5344CB8AC3E}">
+        <p14:creationId xmlns:p14="http://schemas.microsoft.com/office/powerpoint/2010/main" val="1036533172"/>
+      </p:ext>
+    </p:extLst>
+  </p:cSld>
+  <p:clrMapOvr>
+    <a:masterClrMapping/>
+  </p:clrMapOvr>
 </p:sld>
 </file>
 

--- a/WebProjekt.pptx
+++ b/WebProjekt.pptx
@@ -9,9 +9,10 @@
     <p:sldId id="261" r:id="rId3"/>
     <p:sldId id="257" r:id="rId4"/>
     <p:sldId id="258" r:id="rId5"/>
-    <p:sldId id="259" r:id="rId6"/>
-    <p:sldId id="260" r:id="rId7"/>
-    <p:sldId id="262" r:id="rId8"/>
+    <p:sldId id="263" r:id="rId6"/>
+    <p:sldId id="259" r:id="rId7"/>
+    <p:sldId id="260" r:id="rId8"/>
+    <p:sldId id="262" r:id="rId9"/>
   </p:sldIdLst>
   <p:sldSz cx="12192000" cy="6858000"/>
   <p:notesSz cx="6858000" cy="9144000"/>
@@ -280,7 +281,7 @@
           <a:p>
             <a:fld id="{687B722F-994C-46E8-B4CB-FBCA36E87FEE}" type="datetimeFigureOut">
               <a:rPr lang="de-DE" smtClean="0"/>
-              <a:t>06.12.2016</a:t>
+              <a:t>10.12.2016</a:t>
             </a:fld>
             <a:endParaRPr lang="de-DE"/>
           </a:p>
@@ -561,7 +562,7 @@
           <a:p>
             <a:fld id="{687B722F-994C-46E8-B4CB-FBCA36E87FEE}" type="datetimeFigureOut">
               <a:rPr lang="de-DE" smtClean="0"/>
-              <a:t>06.12.2016</a:t>
+              <a:t>10.12.2016</a:t>
             </a:fld>
             <a:endParaRPr lang="de-DE"/>
           </a:p>
@@ -753,7 +754,7 @@
           <a:p>
             <a:fld id="{687B722F-994C-46E8-B4CB-FBCA36E87FEE}" type="datetimeFigureOut">
               <a:rPr lang="de-DE" smtClean="0"/>
-              <a:t>06.12.2016</a:t>
+              <a:t>10.12.2016</a:t>
             </a:fld>
             <a:endParaRPr lang="de-DE"/>
           </a:p>
@@ -1014,7 +1015,7 @@
           <a:p>
             <a:fld id="{687B722F-994C-46E8-B4CB-FBCA36E87FEE}" type="datetimeFigureOut">
               <a:rPr lang="de-DE" smtClean="0"/>
-              <a:t>06.12.2016</a:t>
+              <a:t>10.12.2016</a:t>
             </a:fld>
             <a:endParaRPr lang="de-DE"/>
           </a:p>
@@ -1440,7 +1441,7 @@
           <a:p>
             <a:fld id="{687B722F-994C-46E8-B4CB-FBCA36E87FEE}" type="datetimeFigureOut">
               <a:rPr lang="de-DE" smtClean="0"/>
-              <a:t>06.12.2016</a:t>
+              <a:t>10.12.2016</a:t>
             </a:fld>
             <a:endParaRPr lang="de-DE"/>
           </a:p>
@@ -1986,7 +1987,7 @@
           <a:p>
             <a:fld id="{687B722F-994C-46E8-B4CB-FBCA36E87FEE}" type="datetimeFigureOut">
               <a:rPr lang="de-DE" smtClean="0"/>
-              <a:t>06.12.2016</a:t>
+              <a:t>10.12.2016</a:t>
             </a:fld>
             <a:endParaRPr lang="de-DE"/>
           </a:p>
@@ -2817,7 +2818,7 @@
           <a:p>
             <a:fld id="{687B722F-994C-46E8-B4CB-FBCA36E87FEE}" type="datetimeFigureOut">
               <a:rPr lang="de-DE" smtClean="0"/>
-              <a:t>06.12.2016</a:t>
+              <a:t>10.12.2016</a:t>
             </a:fld>
             <a:endParaRPr lang="de-DE"/>
           </a:p>
@@ -2987,7 +2988,7 @@
           <a:p>
             <a:fld id="{687B722F-994C-46E8-B4CB-FBCA36E87FEE}" type="datetimeFigureOut">
               <a:rPr lang="de-DE" smtClean="0"/>
-              <a:t>06.12.2016</a:t>
+              <a:t>10.12.2016</a:t>
             </a:fld>
             <a:endParaRPr lang="de-DE"/>
           </a:p>
@@ -3167,7 +3168,7 @@
           <a:p>
             <a:fld id="{687B722F-994C-46E8-B4CB-FBCA36E87FEE}" type="datetimeFigureOut">
               <a:rPr lang="de-DE" smtClean="0"/>
-              <a:t>06.12.2016</a:t>
+              <a:t>10.12.2016</a:t>
             </a:fld>
             <a:endParaRPr lang="de-DE"/>
           </a:p>
@@ -3337,7 +3338,7 @@
           <a:p>
             <a:fld id="{687B722F-994C-46E8-B4CB-FBCA36E87FEE}" type="datetimeFigureOut">
               <a:rPr lang="de-DE" smtClean="0"/>
-              <a:t>06.12.2016</a:t>
+              <a:t>10.12.2016</a:t>
             </a:fld>
             <a:endParaRPr lang="de-DE"/>
           </a:p>
@@ -3594,7 +3595,7 @@
           <a:p>
             <a:fld id="{687B722F-994C-46E8-B4CB-FBCA36E87FEE}" type="datetimeFigureOut">
               <a:rPr lang="de-DE" smtClean="0"/>
-              <a:t>06.12.2016</a:t>
+              <a:t>10.12.2016</a:t>
             </a:fld>
             <a:endParaRPr lang="de-DE"/>
           </a:p>
@@ -3826,7 +3827,7 @@
           <a:p>
             <a:fld id="{687B722F-994C-46E8-B4CB-FBCA36E87FEE}" type="datetimeFigureOut">
               <a:rPr lang="de-DE" smtClean="0"/>
-              <a:t>06.12.2016</a:t>
+              <a:t>10.12.2016</a:t>
             </a:fld>
             <a:endParaRPr lang="de-DE"/>
           </a:p>
@@ -4219,7 +4220,7 @@
           <a:p>
             <a:fld id="{687B722F-994C-46E8-B4CB-FBCA36E87FEE}" type="datetimeFigureOut">
               <a:rPr lang="de-DE" smtClean="0"/>
-              <a:t>06.12.2016</a:t>
+              <a:t>10.12.2016</a:t>
             </a:fld>
             <a:endParaRPr lang="de-DE"/>
           </a:p>
@@ -4337,7 +4338,7 @@
           <a:p>
             <a:fld id="{687B722F-994C-46E8-B4CB-FBCA36E87FEE}" type="datetimeFigureOut">
               <a:rPr lang="de-DE" smtClean="0"/>
-              <a:t>06.12.2016</a:t>
+              <a:t>10.12.2016</a:t>
             </a:fld>
             <a:endParaRPr lang="de-DE"/>
           </a:p>
@@ -4432,7 +4433,7 @@
           <a:p>
             <a:fld id="{687B722F-994C-46E8-B4CB-FBCA36E87FEE}" type="datetimeFigureOut">
               <a:rPr lang="de-DE" smtClean="0"/>
-              <a:t>06.12.2016</a:t>
+              <a:t>10.12.2016</a:t>
             </a:fld>
             <a:endParaRPr lang="de-DE"/>
           </a:p>
@@ -4705,7 +4706,7 @@
           <a:p>
             <a:fld id="{687B722F-994C-46E8-B4CB-FBCA36E87FEE}" type="datetimeFigureOut">
               <a:rPr lang="de-DE" smtClean="0"/>
-              <a:t>06.12.2016</a:t>
+              <a:t>10.12.2016</a:t>
             </a:fld>
             <a:endParaRPr lang="de-DE"/>
           </a:p>
@@ -4986,7 +4987,7 @@
           <a:p>
             <a:fld id="{687B722F-994C-46E8-B4CB-FBCA36E87FEE}" type="datetimeFigureOut">
               <a:rPr lang="de-DE" smtClean="0"/>
-              <a:t>06.12.2016</a:t>
+              <a:t>10.12.2016</a:t>
             </a:fld>
             <a:endParaRPr lang="de-DE"/>
           </a:p>
@@ -5226,7 +5227,7 @@
           <a:p>
             <a:fld id="{687B722F-994C-46E8-B4CB-FBCA36E87FEE}" type="datetimeFigureOut">
               <a:rPr lang="de-DE" smtClean="0"/>
-              <a:t>06.12.2016</a:t>
+              <a:t>10.12.2016</a:t>
             </a:fld>
             <a:endParaRPr lang="de-DE"/>
           </a:p>
@@ -5843,11 +5844,7 @@
             <a:pPr algn="l"/>
             <a:r>
               <a:rPr lang="de-DE" dirty="0" smtClean="0"/>
-              <a:t>Info Seite für Touristen über das </a:t>
-            </a:r>
-            <a:r>
-              <a:rPr lang="de-DE" dirty="0" smtClean="0"/>
-              <a:t>Wipptal</a:t>
+              <a:t>Info Seite für Touristen über das Wipptal</a:t>
             </a:r>
           </a:p>
           <a:p>
@@ -6187,7 +6184,6 @@
               <a:rPr lang="de-DE" dirty="0"/>
               <a:t>Design und Entwurf</a:t>
             </a:r>
-            <a:endParaRPr lang="de-DE" dirty="0"/>
           </a:p>
         </p:txBody>
       </p:sp>
@@ -6231,7 +6227,6 @@
               <a:rPr lang="de-DE" dirty="0"/>
               <a:t>Implementation</a:t>
             </a:r>
-            <a:endParaRPr lang="de-DE" dirty="0"/>
           </a:p>
         </p:txBody>
       </p:sp>
@@ -6275,7 +6270,6 @@
               <a:rPr lang="de-DE" dirty="0"/>
               <a:t>Test</a:t>
             </a:r>
-            <a:endParaRPr lang="de-DE" dirty="0"/>
           </a:p>
         </p:txBody>
       </p:sp>
@@ -6319,7 +6313,6 @@
               <a:rPr lang="de-DE" dirty="0"/>
               <a:t>Wartung</a:t>
             </a:r>
-            <a:endParaRPr lang="de-DE" dirty="0"/>
           </a:p>
         </p:txBody>
       </p:sp>
@@ -7158,8 +7151,8 @@
         </p:blipFill>
         <p:spPr>
           <a:xfrm>
-            <a:off x="3697675" y="207055"/>
-            <a:ext cx="7626350" cy="6410995"/>
+            <a:off x="4693854" y="852489"/>
+            <a:ext cx="5600574" cy="4708052"/>
           </a:xfrm>
           <a:prstGeom prst="rect">
             <a:avLst/>
@@ -7220,6 +7213,647 @@
           </a:effectLst>
         </p:spPr>
       </p:pic>
+      <p:sp>
+        <p:nvSpPr>
+          <p:cNvPr id="6" name="Shape 393"/>
+          <p:cNvSpPr/>
+          <p:nvPr/>
+        </p:nvSpPr>
+        <p:spPr>
+          <a:xfrm>
+            <a:off x="4464908" y="543697"/>
+            <a:ext cx="6096000" cy="6236044"/>
+          </a:xfrm>
+          <a:custGeom>
+            <a:avLst/>
+            <a:gdLst/>
+            <a:ahLst/>
+            <a:cxnLst/>
+            <a:rect l="0" t="0" r="0" b="0"/>
+            <a:pathLst>
+              <a:path w="143434" h="111665" extrusionOk="0">
+                <a:moveTo>
+                  <a:pt x="71751" y="2308"/>
+                </a:moveTo>
+                <a:lnTo>
+                  <a:pt x="71887" y="2376"/>
+                </a:lnTo>
+                <a:lnTo>
+                  <a:pt x="72091" y="2444"/>
+                </a:lnTo>
+                <a:lnTo>
+                  <a:pt x="72159" y="2647"/>
+                </a:lnTo>
+                <a:lnTo>
+                  <a:pt x="72226" y="2783"/>
+                </a:lnTo>
+                <a:lnTo>
+                  <a:pt x="72159" y="2987"/>
+                </a:lnTo>
+                <a:lnTo>
+                  <a:pt x="72091" y="3190"/>
+                </a:lnTo>
+                <a:lnTo>
+                  <a:pt x="71887" y="3258"/>
+                </a:lnTo>
+                <a:lnTo>
+                  <a:pt x="71751" y="3326"/>
+                </a:lnTo>
+                <a:lnTo>
+                  <a:pt x="71548" y="3258"/>
+                </a:lnTo>
+                <a:lnTo>
+                  <a:pt x="71344" y="3190"/>
+                </a:lnTo>
+                <a:lnTo>
+                  <a:pt x="71276" y="2987"/>
+                </a:lnTo>
+                <a:lnTo>
+                  <a:pt x="71208" y="2783"/>
+                </a:lnTo>
+                <a:lnTo>
+                  <a:pt x="71276" y="2647"/>
+                </a:lnTo>
+                <a:lnTo>
+                  <a:pt x="71344" y="2444"/>
+                </a:lnTo>
+                <a:lnTo>
+                  <a:pt x="71548" y="2376"/>
+                </a:lnTo>
+                <a:lnTo>
+                  <a:pt x="71751" y="2308"/>
+                </a:lnTo>
+                <a:close/>
+                <a:moveTo>
+                  <a:pt x="137528" y="5906"/>
+                </a:moveTo>
+                <a:lnTo>
+                  <a:pt x="137596" y="5974"/>
+                </a:lnTo>
+                <a:lnTo>
+                  <a:pt x="137596" y="89604"/>
+                </a:lnTo>
+                <a:lnTo>
+                  <a:pt x="5906" y="89604"/>
+                </a:lnTo>
+                <a:lnTo>
+                  <a:pt x="5906" y="5974"/>
+                </a:lnTo>
+                <a:lnTo>
+                  <a:pt x="5906" y="5906"/>
+                </a:lnTo>
+                <a:close/>
+                <a:moveTo>
+                  <a:pt x="3530" y="0"/>
+                </a:moveTo>
+                <a:lnTo>
+                  <a:pt x="3191" y="68"/>
+                </a:lnTo>
+                <a:lnTo>
+                  <a:pt x="2444" y="339"/>
+                </a:lnTo>
+                <a:lnTo>
+                  <a:pt x="1766" y="679"/>
+                </a:lnTo>
+                <a:lnTo>
+                  <a:pt x="1155" y="1154"/>
+                </a:lnTo>
+                <a:lnTo>
+                  <a:pt x="679" y="1765"/>
+                </a:lnTo>
+                <a:lnTo>
+                  <a:pt x="272" y="2444"/>
+                </a:lnTo>
+                <a:lnTo>
+                  <a:pt x="69" y="3190"/>
+                </a:lnTo>
+                <a:lnTo>
+                  <a:pt x="1" y="3598"/>
+                </a:lnTo>
+                <a:lnTo>
+                  <a:pt x="1" y="4005"/>
+                </a:lnTo>
+                <a:lnTo>
+                  <a:pt x="1" y="91572"/>
+                </a:lnTo>
+                <a:lnTo>
+                  <a:pt x="1" y="91979"/>
+                </a:lnTo>
+                <a:lnTo>
+                  <a:pt x="69" y="92319"/>
+                </a:lnTo>
+                <a:lnTo>
+                  <a:pt x="272" y="93065"/>
+                </a:lnTo>
+                <a:lnTo>
+                  <a:pt x="679" y="93744"/>
+                </a:lnTo>
+                <a:lnTo>
+                  <a:pt x="1155" y="94355"/>
+                </a:lnTo>
+                <a:lnTo>
+                  <a:pt x="1766" y="94830"/>
+                </a:lnTo>
+                <a:lnTo>
+                  <a:pt x="2444" y="95238"/>
+                </a:lnTo>
+                <a:lnTo>
+                  <a:pt x="3191" y="95441"/>
+                </a:lnTo>
+                <a:lnTo>
+                  <a:pt x="3530" y="95509"/>
+                </a:lnTo>
+                <a:lnTo>
+                  <a:pt x="139904" y="95509"/>
+                </a:lnTo>
+                <a:lnTo>
+                  <a:pt x="140311" y="95441"/>
+                </a:lnTo>
+                <a:lnTo>
+                  <a:pt x="141058" y="95238"/>
+                </a:lnTo>
+                <a:lnTo>
+                  <a:pt x="141737" y="94830"/>
+                </a:lnTo>
+                <a:lnTo>
+                  <a:pt x="142280" y="94355"/>
+                </a:lnTo>
+                <a:lnTo>
+                  <a:pt x="142755" y="93744"/>
+                </a:lnTo>
+                <a:lnTo>
+                  <a:pt x="143162" y="93065"/>
+                </a:lnTo>
+                <a:lnTo>
+                  <a:pt x="143366" y="92319"/>
+                </a:lnTo>
+                <a:lnTo>
+                  <a:pt x="143434" y="91979"/>
+                </a:lnTo>
+                <a:lnTo>
+                  <a:pt x="143434" y="91572"/>
+                </a:lnTo>
+                <a:lnTo>
+                  <a:pt x="143434" y="4005"/>
+                </a:lnTo>
+                <a:lnTo>
+                  <a:pt x="143434" y="3598"/>
+                </a:lnTo>
+                <a:lnTo>
+                  <a:pt x="143366" y="3190"/>
+                </a:lnTo>
+                <a:lnTo>
+                  <a:pt x="143162" y="2444"/>
+                </a:lnTo>
+                <a:lnTo>
+                  <a:pt x="142755" y="1765"/>
+                </a:lnTo>
+                <a:lnTo>
+                  <a:pt x="142280" y="1154"/>
+                </a:lnTo>
+                <a:lnTo>
+                  <a:pt x="141737" y="679"/>
+                </a:lnTo>
+                <a:lnTo>
+                  <a:pt x="141058" y="339"/>
+                </a:lnTo>
+                <a:lnTo>
+                  <a:pt x="140311" y="68"/>
+                </a:lnTo>
+                <a:lnTo>
+                  <a:pt x="139904" y="0"/>
+                </a:lnTo>
+                <a:close/>
+                <a:moveTo>
+                  <a:pt x="55324" y="95713"/>
+                </a:moveTo>
+                <a:lnTo>
+                  <a:pt x="55052" y="98971"/>
+                </a:lnTo>
+                <a:lnTo>
+                  <a:pt x="54713" y="102297"/>
+                </a:lnTo>
+                <a:lnTo>
+                  <a:pt x="54374" y="105284"/>
+                </a:lnTo>
+                <a:lnTo>
+                  <a:pt x="53966" y="107388"/>
+                </a:lnTo>
+                <a:lnTo>
+                  <a:pt x="53763" y="108203"/>
+                </a:lnTo>
+                <a:lnTo>
+                  <a:pt x="53627" y="108746"/>
+                </a:lnTo>
+                <a:lnTo>
+                  <a:pt x="53423" y="109153"/>
+                </a:lnTo>
+                <a:lnTo>
+                  <a:pt x="53220" y="109357"/>
+                </a:lnTo>
+                <a:lnTo>
+                  <a:pt x="52677" y="109493"/>
+                </a:lnTo>
+                <a:lnTo>
+                  <a:pt x="51794" y="109696"/>
+                </a:lnTo>
+                <a:lnTo>
+                  <a:pt x="49690" y="110036"/>
+                </a:lnTo>
+                <a:lnTo>
+                  <a:pt x="48061" y="110307"/>
+                </a:lnTo>
+                <a:lnTo>
+                  <a:pt x="47450" y="110443"/>
+                </a:lnTo>
+                <a:lnTo>
+                  <a:pt x="47110" y="110511"/>
+                </a:lnTo>
+                <a:lnTo>
+                  <a:pt x="47042" y="110579"/>
+                </a:lnTo>
+                <a:lnTo>
+                  <a:pt x="47042" y="110783"/>
+                </a:lnTo>
+                <a:lnTo>
+                  <a:pt x="47110" y="110850"/>
+                </a:lnTo>
+                <a:lnTo>
+                  <a:pt x="47585" y="110918"/>
+                </a:lnTo>
+                <a:lnTo>
+                  <a:pt x="48400" y="110986"/>
+                </a:lnTo>
+                <a:lnTo>
+                  <a:pt x="51387" y="111054"/>
+                </a:lnTo>
+                <a:lnTo>
+                  <a:pt x="56071" y="111122"/>
+                </a:lnTo>
+                <a:lnTo>
+                  <a:pt x="87092" y="111122"/>
+                </a:lnTo>
+                <a:lnTo>
+                  <a:pt x="91708" y="111054"/>
+                </a:lnTo>
+                <a:lnTo>
+                  <a:pt x="94695" y="110986"/>
+                </a:lnTo>
+                <a:lnTo>
+                  <a:pt x="95578" y="110918"/>
+                </a:lnTo>
+                <a:lnTo>
+                  <a:pt x="96053" y="110850"/>
+                </a:lnTo>
+                <a:lnTo>
+                  <a:pt x="96121" y="110783"/>
+                </a:lnTo>
+                <a:lnTo>
+                  <a:pt x="96121" y="110579"/>
+                </a:lnTo>
+                <a:lnTo>
+                  <a:pt x="96053" y="110511"/>
+                </a:lnTo>
+                <a:lnTo>
+                  <a:pt x="95713" y="110443"/>
+                </a:lnTo>
+                <a:lnTo>
+                  <a:pt x="95102" y="110307"/>
+                </a:lnTo>
+                <a:lnTo>
+                  <a:pt x="93473" y="110036"/>
+                </a:lnTo>
+                <a:lnTo>
+                  <a:pt x="91369" y="109696"/>
+                </a:lnTo>
+                <a:lnTo>
+                  <a:pt x="90487" y="109493"/>
+                </a:lnTo>
+                <a:lnTo>
+                  <a:pt x="89943" y="109357"/>
+                </a:lnTo>
+                <a:lnTo>
+                  <a:pt x="89740" y="109153"/>
+                </a:lnTo>
+                <a:lnTo>
+                  <a:pt x="89536" y="108746"/>
+                </a:lnTo>
+                <a:lnTo>
+                  <a:pt x="89333" y="108203"/>
+                </a:lnTo>
+                <a:lnTo>
+                  <a:pt x="89197" y="107388"/>
+                </a:lnTo>
+                <a:lnTo>
+                  <a:pt x="88789" y="105284"/>
+                </a:lnTo>
+                <a:lnTo>
+                  <a:pt x="88382" y="102297"/>
+                </a:lnTo>
+                <a:lnTo>
+                  <a:pt x="88043" y="98971"/>
+                </a:lnTo>
+                <a:lnTo>
+                  <a:pt x="87839" y="95713"/>
+                </a:lnTo>
+                <a:close/>
+                <a:moveTo>
+                  <a:pt x="47450" y="111054"/>
+                </a:moveTo>
+                <a:lnTo>
+                  <a:pt x="47450" y="111122"/>
+                </a:lnTo>
+                <a:lnTo>
+                  <a:pt x="47450" y="111393"/>
+                </a:lnTo>
+                <a:lnTo>
+                  <a:pt x="47518" y="111461"/>
+                </a:lnTo>
+                <a:lnTo>
+                  <a:pt x="48807" y="111529"/>
+                </a:lnTo>
+                <a:lnTo>
+                  <a:pt x="52473" y="111597"/>
+                </a:lnTo>
+                <a:lnTo>
+                  <a:pt x="62384" y="111665"/>
+                </a:lnTo>
+                <a:lnTo>
+                  <a:pt x="80779" y="111665"/>
+                </a:lnTo>
+                <a:lnTo>
+                  <a:pt x="90622" y="111597"/>
+                </a:lnTo>
+                <a:lnTo>
+                  <a:pt x="94356" y="111529"/>
+                </a:lnTo>
+                <a:lnTo>
+                  <a:pt x="95646" y="111461"/>
+                </a:lnTo>
+                <a:lnTo>
+                  <a:pt x="95713" y="111393"/>
+                </a:lnTo>
+                <a:lnTo>
+                  <a:pt x="95713" y="111122"/>
+                </a:lnTo>
+                <a:lnTo>
+                  <a:pt x="95646" y="111054"/>
+                </a:lnTo>
+                <a:lnTo>
+                  <a:pt x="94084" y="111122"/>
+                </a:lnTo>
+                <a:lnTo>
+                  <a:pt x="91233" y="111190"/>
+                </a:lnTo>
+                <a:lnTo>
+                  <a:pt x="80847" y="111258"/>
+                </a:lnTo>
+                <a:lnTo>
+                  <a:pt x="62316" y="111258"/>
+                </a:lnTo>
+                <a:lnTo>
+                  <a:pt x="51930" y="111190"/>
+                </a:lnTo>
+                <a:lnTo>
+                  <a:pt x="49079" y="111122"/>
+                </a:lnTo>
+                <a:lnTo>
+                  <a:pt x="47518" y="111054"/>
+                </a:lnTo>
+                <a:close/>
+              </a:path>
+            </a:pathLst>
+          </a:custGeom>
+          <a:solidFill>
+            <a:srgbClr val="FFFFFF"/>
+          </a:solidFill>
+          <a:ln w="9525" cap="flat" cmpd="sng">
+            <a:solidFill>
+              <a:srgbClr val="A1BECC"/>
+            </a:solidFill>
+            <a:prstDash val="solid"/>
+            <a:round/>
+            <a:headEnd type="none" w="med" len="med"/>
+            <a:tailEnd type="none" w="med" len="med"/>
+          </a:ln>
+        </p:spPr>
+        <p:txBody>
+          <a:bodyPr lIns="91425" tIns="91425" rIns="91425" bIns="91425" anchor="ctr" anchorCtr="0">
+            <a:noAutofit/>
+          </a:bodyPr>
+          <a:lstStyle>
+            <a:defPPr marR="0" lvl="0" algn="l" rtl="0">
+              <a:lnSpc>
+                <a:spcPct val="100000"/>
+              </a:lnSpc>
+              <a:spcBef>
+                <a:spcPts val="0"/>
+              </a:spcBef>
+              <a:spcAft>
+                <a:spcPts val="0"/>
+              </a:spcAft>
+            </a:defPPr>
+            <a:lvl1pPr marR="0" lvl="0" algn="l" rtl="0">
+              <a:lnSpc>
+                <a:spcPct val="100000"/>
+              </a:lnSpc>
+              <a:spcBef>
+                <a:spcPts val="0"/>
+              </a:spcBef>
+              <a:spcAft>
+                <a:spcPts val="0"/>
+              </a:spcAft>
+              <a:buNone/>
+              <a:defRPr sz="1400" b="0" i="0" u="none" strike="noStrike" cap="none">
+                <a:solidFill>
+                  <a:srgbClr val="000000"/>
+                </a:solidFill>
+                <a:latin typeface="Arial"/>
+                <a:ea typeface="Arial"/>
+                <a:cs typeface="Arial"/>
+                <a:sym typeface="Arial"/>
+              </a:defRPr>
+            </a:lvl1pPr>
+            <a:lvl2pPr marR="0" lvl="1" algn="l" rtl="0">
+              <a:lnSpc>
+                <a:spcPct val="100000"/>
+              </a:lnSpc>
+              <a:spcBef>
+                <a:spcPts val="0"/>
+              </a:spcBef>
+              <a:spcAft>
+                <a:spcPts val="0"/>
+              </a:spcAft>
+              <a:buNone/>
+              <a:defRPr sz="1400" b="0" i="0" u="none" strike="noStrike" cap="none">
+                <a:solidFill>
+                  <a:srgbClr val="000000"/>
+                </a:solidFill>
+                <a:latin typeface="Arial"/>
+                <a:ea typeface="Arial"/>
+                <a:cs typeface="Arial"/>
+                <a:sym typeface="Arial"/>
+              </a:defRPr>
+            </a:lvl2pPr>
+            <a:lvl3pPr marR="0" lvl="2" algn="l" rtl="0">
+              <a:lnSpc>
+                <a:spcPct val="100000"/>
+              </a:lnSpc>
+              <a:spcBef>
+                <a:spcPts val="0"/>
+              </a:spcBef>
+              <a:spcAft>
+                <a:spcPts val="0"/>
+              </a:spcAft>
+              <a:buNone/>
+              <a:defRPr sz="1400" b="0" i="0" u="none" strike="noStrike" cap="none">
+                <a:solidFill>
+                  <a:srgbClr val="000000"/>
+                </a:solidFill>
+                <a:latin typeface="Arial"/>
+                <a:ea typeface="Arial"/>
+                <a:cs typeface="Arial"/>
+                <a:sym typeface="Arial"/>
+              </a:defRPr>
+            </a:lvl3pPr>
+            <a:lvl4pPr marR="0" lvl="3" algn="l" rtl="0">
+              <a:lnSpc>
+                <a:spcPct val="100000"/>
+              </a:lnSpc>
+              <a:spcBef>
+                <a:spcPts val="0"/>
+              </a:spcBef>
+              <a:spcAft>
+                <a:spcPts val="0"/>
+              </a:spcAft>
+              <a:buNone/>
+              <a:defRPr sz="1400" b="0" i="0" u="none" strike="noStrike" cap="none">
+                <a:solidFill>
+                  <a:srgbClr val="000000"/>
+                </a:solidFill>
+                <a:latin typeface="Arial"/>
+                <a:ea typeface="Arial"/>
+                <a:cs typeface="Arial"/>
+                <a:sym typeface="Arial"/>
+              </a:defRPr>
+            </a:lvl4pPr>
+            <a:lvl5pPr marR="0" lvl="4" algn="l" rtl="0">
+              <a:lnSpc>
+                <a:spcPct val="100000"/>
+              </a:lnSpc>
+              <a:spcBef>
+                <a:spcPts val="0"/>
+              </a:spcBef>
+              <a:spcAft>
+                <a:spcPts val="0"/>
+              </a:spcAft>
+              <a:buNone/>
+              <a:defRPr sz="1400" b="0" i="0" u="none" strike="noStrike" cap="none">
+                <a:solidFill>
+                  <a:srgbClr val="000000"/>
+                </a:solidFill>
+                <a:latin typeface="Arial"/>
+                <a:ea typeface="Arial"/>
+                <a:cs typeface="Arial"/>
+                <a:sym typeface="Arial"/>
+              </a:defRPr>
+            </a:lvl5pPr>
+            <a:lvl6pPr marR="0" lvl="5" algn="l" rtl="0">
+              <a:lnSpc>
+                <a:spcPct val="100000"/>
+              </a:lnSpc>
+              <a:spcBef>
+                <a:spcPts val="0"/>
+              </a:spcBef>
+              <a:spcAft>
+                <a:spcPts val="0"/>
+              </a:spcAft>
+              <a:buNone/>
+              <a:defRPr sz="1400" b="0" i="0" u="none" strike="noStrike" cap="none">
+                <a:solidFill>
+                  <a:srgbClr val="000000"/>
+                </a:solidFill>
+                <a:latin typeface="Arial"/>
+                <a:ea typeface="Arial"/>
+                <a:cs typeface="Arial"/>
+                <a:sym typeface="Arial"/>
+              </a:defRPr>
+            </a:lvl6pPr>
+            <a:lvl7pPr marR="0" lvl="6" algn="l" rtl="0">
+              <a:lnSpc>
+                <a:spcPct val="100000"/>
+              </a:lnSpc>
+              <a:spcBef>
+                <a:spcPts val="0"/>
+              </a:spcBef>
+              <a:spcAft>
+                <a:spcPts val="0"/>
+              </a:spcAft>
+              <a:buNone/>
+              <a:defRPr sz="1400" b="0" i="0" u="none" strike="noStrike" cap="none">
+                <a:solidFill>
+                  <a:srgbClr val="000000"/>
+                </a:solidFill>
+                <a:latin typeface="Arial"/>
+                <a:ea typeface="Arial"/>
+                <a:cs typeface="Arial"/>
+                <a:sym typeface="Arial"/>
+              </a:defRPr>
+            </a:lvl7pPr>
+            <a:lvl8pPr marR="0" lvl="7" algn="l" rtl="0">
+              <a:lnSpc>
+                <a:spcPct val="100000"/>
+              </a:lnSpc>
+              <a:spcBef>
+                <a:spcPts val="0"/>
+              </a:spcBef>
+              <a:spcAft>
+                <a:spcPts val="0"/>
+              </a:spcAft>
+              <a:buNone/>
+              <a:defRPr sz="1400" b="0" i="0" u="none" strike="noStrike" cap="none">
+                <a:solidFill>
+                  <a:srgbClr val="000000"/>
+                </a:solidFill>
+                <a:latin typeface="Arial"/>
+                <a:ea typeface="Arial"/>
+                <a:cs typeface="Arial"/>
+                <a:sym typeface="Arial"/>
+              </a:defRPr>
+            </a:lvl8pPr>
+            <a:lvl9pPr marR="0" lvl="8" algn="l" rtl="0">
+              <a:lnSpc>
+                <a:spcPct val="100000"/>
+              </a:lnSpc>
+              <a:spcBef>
+                <a:spcPts val="0"/>
+              </a:spcBef>
+              <a:spcAft>
+                <a:spcPts val="0"/>
+              </a:spcAft>
+              <a:buNone/>
+              <a:defRPr sz="1400" b="0" i="0" u="none" strike="noStrike" cap="none">
+                <a:solidFill>
+                  <a:srgbClr val="000000"/>
+                </a:solidFill>
+                <a:latin typeface="Arial"/>
+                <a:ea typeface="Arial"/>
+                <a:cs typeface="Arial"/>
+                <a:sym typeface="Arial"/>
+              </a:defRPr>
+            </a:lvl9pPr>
+          </a:lstStyle>
+          <a:p>
+            <a:pPr lvl="0">
+              <a:spcBef>
+                <a:spcPts val="0"/>
+              </a:spcBef>
+              <a:buNone/>
+            </a:pPr>
+            <a:endParaRPr/>
+          </a:p>
+        </p:txBody>
+      </p:sp>
     </p:spTree>
     <p:extLst>
       <p:ext uri="{BB962C8B-B14F-4D97-AF65-F5344CB8AC3E}">
@@ -7267,107 +7901,954 @@
             <p:ph type="title"/>
           </p:nvPr>
         </p:nvSpPr>
+        <p:spPr/>
+        <p:txBody>
+          <a:bodyPr/>
+          <a:lstStyle/>
+          <a:p>
+            <a:r>
+              <a:rPr lang="de-DE" dirty="0" smtClean="0"/>
+              <a:t>Was finde ich heraus?</a:t>
+            </a:r>
+            <a:endParaRPr lang="de-DE" dirty="0"/>
+          </a:p>
+        </p:txBody>
+      </p:sp>
+      <p:sp>
+        <p:nvSpPr>
+          <p:cNvPr id="3" name="Inhaltsplatzhalter 2"/>
+          <p:cNvSpPr>
+            <a:spLocks noGrp="1"/>
+          </p:cNvSpPr>
+          <p:nvPr>
+            <p:ph idx="1"/>
+          </p:nvPr>
+        </p:nvSpPr>
         <p:spPr>
           <a:xfrm>
-            <a:off x="229800" y="365125"/>
-            <a:ext cx="6007100" cy="1057275"/>
-          </a:xfrm>
-        </p:spPr>
-        <p:txBody>
-          <a:bodyPr>
-            <a:normAutofit fontScale="90000"/>
-          </a:bodyPr>
+            <a:off x="1120000" y="1825625"/>
+            <a:ext cx="2957730" cy="3850245"/>
+          </a:xfrm>
+        </p:spPr>
+        <p:txBody>
+          <a:bodyPr/>
           <a:lstStyle/>
           <a:p>
             <a:r>
-              <a:rPr lang="de-DE" sz="4800" dirty="0" smtClean="0"/>
-              <a:t>Was </a:t>
-            </a:r>
-            <a:r>
-              <a:rPr lang="de-DE" sz="4800" dirty="0" smtClean="0"/>
-              <a:t>kann </a:t>
-            </a:r>
-            <a:r>
-              <a:rPr lang="de-DE" sz="4800" dirty="0" smtClean="0"/>
-              <a:t>die Webseite?</a:t>
-            </a:r>
-            <a:endParaRPr lang="de-DE" sz="4800" dirty="0"/>
-          </a:p>
-        </p:txBody>
-      </p:sp>
-      <p:sp>
-        <p:nvSpPr>
-          <p:cNvPr id="3" name="Inhaltsplatzhalter 2"/>
-          <p:cNvSpPr>
-            <a:spLocks noGrp="1"/>
-          </p:cNvSpPr>
-          <p:nvPr>
-            <p:ph idx="1"/>
-          </p:nvPr>
+              <a:rPr lang="de-DE" dirty="0" smtClean="0"/>
+              <a:t>Wo ich schöne Hotels, Restaurants oder Bars finde</a:t>
+            </a:r>
+          </a:p>
+          <a:p>
+            <a:r>
+              <a:rPr lang="de-DE" dirty="0" smtClean="0"/>
+              <a:t>Informationen </a:t>
+            </a:r>
+            <a:r>
+              <a:rPr lang="de-DE" dirty="0"/>
+              <a:t>ü</a:t>
+            </a:r>
+            <a:r>
+              <a:rPr lang="de-DE" dirty="0" smtClean="0"/>
+              <a:t>ber diese</a:t>
+            </a:r>
+          </a:p>
+          <a:p>
+            <a:r>
+              <a:rPr lang="de-DE" dirty="0" smtClean="0"/>
+              <a:t>und noch viel mehr</a:t>
+            </a:r>
+          </a:p>
+          <a:p>
+            <a:endParaRPr lang="de-DE" dirty="0"/>
+          </a:p>
+        </p:txBody>
+      </p:sp>
+      <p:sp>
+        <p:nvSpPr>
+          <p:cNvPr id="4" name="Shape 372"/>
+          <p:cNvSpPr/>
+          <p:nvPr/>
         </p:nvSpPr>
         <p:spPr>
           <a:xfrm>
-            <a:off x="6950093" y="365125"/>
-            <a:ext cx="4937900" cy="2382838"/>
-          </a:xfrm>
-        </p:spPr>
-        <p:txBody>
-          <a:bodyPr>
-            <a:normAutofit fontScale="92500" lnSpcReduction="10000"/>
+            <a:off x="7524534" y="626077"/>
+            <a:ext cx="2986947" cy="5964194"/>
+          </a:xfrm>
+          <a:custGeom>
+            <a:avLst/>
+            <a:gdLst/>
+            <a:ahLst/>
+            <a:cxnLst/>
+            <a:rect l="0" t="0" r="0" b="0"/>
+            <a:pathLst>
+              <a:path w="30819" h="61841" extrusionOk="0">
+                <a:moveTo>
+                  <a:pt x="5160" y="2580"/>
+                </a:moveTo>
+                <a:lnTo>
+                  <a:pt x="5295" y="2648"/>
+                </a:lnTo>
+                <a:lnTo>
+                  <a:pt x="5363" y="2784"/>
+                </a:lnTo>
+                <a:lnTo>
+                  <a:pt x="5363" y="2920"/>
+                </a:lnTo>
+                <a:lnTo>
+                  <a:pt x="5363" y="3055"/>
+                </a:lnTo>
+                <a:lnTo>
+                  <a:pt x="5295" y="3191"/>
+                </a:lnTo>
+                <a:lnTo>
+                  <a:pt x="5160" y="3259"/>
+                </a:lnTo>
+                <a:lnTo>
+                  <a:pt x="4888" y="3259"/>
+                </a:lnTo>
+                <a:lnTo>
+                  <a:pt x="4752" y="3191"/>
+                </a:lnTo>
+                <a:lnTo>
+                  <a:pt x="4684" y="3055"/>
+                </a:lnTo>
+                <a:lnTo>
+                  <a:pt x="4684" y="2920"/>
+                </a:lnTo>
+                <a:lnTo>
+                  <a:pt x="4684" y="2784"/>
+                </a:lnTo>
+                <a:lnTo>
+                  <a:pt x="4752" y="2648"/>
+                </a:lnTo>
+                <a:lnTo>
+                  <a:pt x="4888" y="2580"/>
+                </a:lnTo>
+                <a:close/>
+                <a:moveTo>
+                  <a:pt x="15410" y="2241"/>
+                </a:moveTo>
+                <a:lnTo>
+                  <a:pt x="15681" y="2309"/>
+                </a:lnTo>
+                <a:lnTo>
+                  <a:pt x="15885" y="2444"/>
+                </a:lnTo>
+                <a:lnTo>
+                  <a:pt x="16021" y="2648"/>
+                </a:lnTo>
+                <a:lnTo>
+                  <a:pt x="16088" y="2920"/>
+                </a:lnTo>
+                <a:lnTo>
+                  <a:pt x="16021" y="3191"/>
+                </a:lnTo>
+                <a:lnTo>
+                  <a:pt x="15885" y="3395"/>
+                </a:lnTo>
+                <a:lnTo>
+                  <a:pt x="15681" y="3531"/>
+                </a:lnTo>
+                <a:lnTo>
+                  <a:pt x="15410" y="3598"/>
+                </a:lnTo>
+                <a:lnTo>
+                  <a:pt x="15138" y="3531"/>
+                </a:lnTo>
+                <a:lnTo>
+                  <a:pt x="14934" y="3395"/>
+                </a:lnTo>
+                <a:lnTo>
+                  <a:pt x="14799" y="3191"/>
+                </a:lnTo>
+                <a:lnTo>
+                  <a:pt x="14731" y="2920"/>
+                </a:lnTo>
+                <a:lnTo>
+                  <a:pt x="14799" y="2648"/>
+                </a:lnTo>
+                <a:lnTo>
+                  <a:pt x="14934" y="2444"/>
+                </a:lnTo>
+                <a:lnTo>
+                  <a:pt x="15138" y="2309"/>
+                </a:lnTo>
+                <a:lnTo>
+                  <a:pt x="15410" y="2241"/>
+                </a:lnTo>
+                <a:close/>
+                <a:moveTo>
+                  <a:pt x="29393" y="5228"/>
+                </a:moveTo>
+                <a:lnTo>
+                  <a:pt x="29461" y="5296"/>
+                </a:lnTo>
+                <a:lnTo>
+                  <a:pt x="29461" y="54849"/>
+                </a:lnTo>
+                <a:lnTo>
+                  <a:pt x="1426" y="54849"/>
+                </a:lnTo>
+                <a:lnTo>
+                  <a:pt x="1426" y="5296"/>
+                </a:lnTo>
+                <a:lnTo>
+                  <a:pt x="1494" y="5228"/>
+                </a:lnTo>
+                <a:close/>
+                <a:moveTo>
+                  <a:pt x="15410" y="544"/>
+                </a:moveTo>
+                <a:lnTo>
+                  <a:pt x="19143" y="612"/>
+                </a:lnTo>
+                <a:lnTo>
+                  <a:pt x="23012" y="747"/>
+                </a:lnTo>
+                <a:lnTo>
+                  <a:pt x="26339" y="951"/>
+                </a:lnTo>
+                <a:lnTo>
+                  <a:pt x="27560" y="1087"/>
+                </a:lnTo>
+                <a:lnTo>
+                  <a:pt x="27560" y="1087"/>
+                </a:lnTo>
+                <a:lnTo>
+                  <a:pt x="26339" y="1019"/>
+                </a:lnTo>
+                <a:lnTo>
+                  <a:pt x="23012" y="815"/>
+                </a:lnTo>
+                <a:lnTo>
+                  <a:pt x="19143" y="680"/>
+                </a:lnTo>
+                <a:lnTo>
+                  <a:pt x="15410" y="612"/>
+                </a:lnTo>
+                <a:lnTo>
+                  <a:pt x="11676" y="680"/>
+                </a:lnTo>
+                <a:lnTo>
+                  <a:pt x="7807" y="815"/>
+                </a:lnTo>
+                <a:lnTo>
+                  <a:pt x="4481" y="1019"/>
+                </a:lnTo>
+                <a:lnTo>
+                  <a:pt x="3259" y="1087"/>
+                </a:lnTo>
+                <a:lnTo>
+                  <a:pt x="2444" y="1223"/>
+                </a:lnTo>
+                <a:lnTo>
+                  <a:pt x="1969" y="1358"/>
+                </a:lnTo>
+                <a:lnTo>
+                  <a:pt x="1630" y="1494"/>
+                </a:lnTo>
+                <a:lnTo>
+                  <a:pt x="1290" y="1698"/>
+                </a:lnTo>
+                <a:lnTo>
+                  <a:pt x="1019" y="1901"/>
+                </a:lnTo>
+                <a:lnTo>
+                  <a:pt x="815" y="2173"/>
+                </a:lnTo>
+                <a:lnTo>
+                  <a:pt x="679" y="2444"/>
+                </a:lnTo>
+                <a:lnTo>
+                  <a:pt x="544" y="2852"/>
+                </a:lnTo>
+                <a:lnTo>
+                  <a:pt x="544" y="3259"/>
+                </a:lnTo>
+                <a:lnTo>
+                  <a:pt x="544" y="58311"/>
+                </a:lnTo>
+                <a:lnTo>
+                  <a:pt x="544" y="58718"/>
+                </a:lnTo>
+                <a:lnTo>
+                  <a:pt x="476" y="58311"/>
+                </a:lnTo>
+                <a:lnTo>
+                  <a:pt x="476" y="3259"/>
+                </a:lnTo>
+                <a:lnTo>
+                  <a:pt x="544" y="2784"/>
+                </a:lnTo>
+                <a:lnTo>
+                  <a:pt x="612" y="2444"/>
+                </a:lnTo>
+                <a:lnTo>
+                  <a:pt x="747" y="2105"/>
+                </a:lnTo>
+                <a:lnTo>
+                  <a:pt x="951" y="1834"/>
+                </a:lnTo>
+                <a:lnTo>
+                  <a:pt x="1222" y="1630"/>
+                </a:lnTo>
+                <a:lnTo>
+                  <a:pt x="1562" y="1426"/>
+                </a:lnTo>
+                <a:lnTo>
+                  <a:pt x="1969" y="1290"/>
+                </a:lnTo>
+                <a:lnTo>
+                  <a:pt x="2444" y="1155"/>
+                </a:lnTo>
+                <a:lnTo>
+                  <a:pt x="3259" y="1087"/>
+                </a:lnTo>
+                <a:lnTo>
+                  <a:pt x="4481" y="951"/>
+                </a:lnTo>
+                <a:lnTo>
+                  <a:pt x="7807" y="747"/>
+                </a:lnTo>
+                <a:lnTo>
+                  <a:pt x="11676" y="612"/>
+                </a:lnTo>
+                <a:lnTo>
+                  <a:pt x="15410" y="544"/>
+                </a:lnTo>
+                <a:close/>
+                <a:moveTo>
+                  <a:pt x="27560" y="1087"/>
+                </a:moveTo>
+                <a:lnTo>
+                  <a:pt x="28375" y="1155"/>
+                </a:lnTo>
+                <a:lnTo>
+                  <a:pt x="28850" y="1290"/>
+                </a:lnTo>
+                <a:lnTo>
+                  <a:pt x="29257" y="1426"/>
+                </a:lnTo>
+                <a:lnTo>
+                  <a:pt x="29597" y="1630"/>
+                </a:lnTo>
+                <a:lnTo>
+                  <a:pt x="29868" y="1834"/>
+                </a:lnTo>
+                <a:lnTo>
+                  <a:pt x="30072" y="2105"/>
+                </a:lnTo>
+                <a:lnTo>
+                  <a:pt x="30208" y="2444"/>
+                </a:lnTo>
+                <a:lnTo>
+                  <a:pt x="30276" y="2784"/>
+                </a:lnTo>
+                <a:lnTo>
+                  <a:pt x="30344" y="3259"/>
+                </a:lnTo>
+                <a:lnTo>
+                  <a:pt x="30344" y="58311"/>
+                </a:lnTo>
+                <a:lnTo>
+                  <a:pt x="30276" y="58718"/>
+                </a:lnTo>
+                <a:lnTo>
+                  <a:pt x="30208" y="59125"/>
+                </a:lnTo>
+                <a:lnTo>
+                  <a:pt x="30072" y="59465"/>
+                </a:lnTo>
+                <a:lnTo>
+                  <a:pt x="29868" y="59736"/>
+                </a:lnTo>
+                <a:lnTo>
+                  <a:pt x="29597" y="60008"/>
+                </a:lnTo>
+                <a:lnTo>
+                  <a:pt x="29257" y="60144"/>
+                </a:lnTo>
+                <a:lnTo>
+                  <a:pt x="28850" y="60347"/>
+                </a:lnTo>
+                <a:lnTo>
+                  <a:pt x="28375" y="60415"/>
+                </a:lnTo>
+                <a:lnTo>
+                  <a:pt x="26746" y="60687"/>
+                </a:lnTo>
+                <a:lnTo>
+                  <a:pt x="23895" y="60958"/>
+                </a:lnTo>
+                <a:lnTo>
+                  <a:pt x="22130" y="61094"/>
+                </a:lnTo>
+                <a:lnTo>
+                  <a:pt x="20093" y="61230"/>
+                </a:lnTo>
+                <a:lnTo>
+                  <a:pt x="17853" y="61298"/>
+                </a:lnTo>
+                <a:lnTo>
+                  <a:pt x="12966" y="61298"/>
+                </a:lnTo>
+                <a:lnTo>
+                  <a:pt x="10726" y="61230"/>
+                </a:lnTo>
+                <a:lnTo>
+                  <a:pt x="8689" y="61094"/>
+                </a:lnTo>
+                <a:lnTo>
+                  <a:pt x="6924" y="60958"/>
+                </a:lnTo>
+                <a:lnTo>
+                  <a:pt x="4073" y="60687"/>
+                </a:lnTo>
+                <a:lnTo>
+                  <a:pt x="2444" y="60415"/>
+                </a:lnTo>
+                <a:lnTo>
+                  <a:pt x="1969" y="60347"/>
+                </a:lnTo>
+                <a:lnTo>
+                  <a:pt x="1562" y="60144"/>
+                </a:lnTo>
+                <a:lnTo>
+                  <a:pt x="1290" y="60008"/>
+                </a:lnTo>
+                <a:lnTo>
+                  <a:pt x="951" y="59736"/>
+                </a:lnTo>
+                <a:lnTo>
+                  <a:pt x="747" y="59465"/>
+                </a:lnTo>
+                <a:lnTo>
+                  <a:pt x="612" y="59125"/>
+                </a:lnTo>
+                <a:lnTo>
+                  <a:pt x="544" y="58718"/>
+                </a:lnTo>
+                <a:lnTo>
+                  <a:pt x="544" y="58718"/>
+                </a:lnTo>
+                <a:lnTo>
+                  <a:pt x="679" y="59125"/>
+                </a:lnTo>
+                <a:lnTo>
+                  <a:pt x="815" y="59397"/>
+                </a:lnTo>
+                <a:lnTo>
+                  <a:pt x="1019" y="59669"/>
+                </a:lnTo>
+                <a:lnTo>
+                  <a:pt x="1290" y="59940"/>
+                </a:lnTo>
+                <a:lnTo>
+                  <a:pt x="1630" y="60144"/>
+                </a:lnTo>
+                <a:lnTo>
+                  <a:pt x="2037" y="60279"/>
+                </a:lnTo>
+                <a:lnTo>
+                  <a:pt x="2444" y="60415"/>
+                </a:lnTo>
+                <a:lnTo>
+                  <a:pt x="4073" y="60619"/>
+                </a:lnTo>
+                <a:lnTo>
+                  <a:pt x="6924" y="60890"/>
+                </a:lnTo>
+                <a:lnTo>
+                  <a:pt x="8689" y="61026"/>
+                </a:lnTo>
+                <a:lnTo>
+                  <a:pt x="10726" y="61162"/>
+                </a:lnTo>
+                <a:lnTo>
+                  <a:pt x="12966" y="61230"/>
+                </a:lnTo>
+                <a:lnTo>
+                  <a:pt x="17853" y="61230"/>
+                </a:lnTo>
+                <a:lnTo>
+                  <a:pt x="20093" y="61162"/>
+                </a:lnTo>
+                <a:lnTo>
+                  <a:pt x="22130" y="61026"/>
+                </a:lnTo>
+                <a:lnTo>
+                  <a:pt x="23895" y="60890"/>
+                </a:lnTo>
+                <a:lnTo>
+                  <a:pt x="26746" y="60619"/>
+                </a:lnTo>
+                <a:lnTo>
+                  <a:pt x="28375" y="60415"/>
+                </a:lnTo>
+                <a:lnTo>
+                  <a:pt x="28850" y="60279"/>
+                </a:lnTo>
+                <a:lnTo>
+                  <a:pt x="29190" y="60144"/>
+                </a:lnTo>
+                <a:lnTo>
+                  <a:pt x="29529" y="59940"/>
+                </a:lnTo>
+                <a:lnTo>
+                  <a:pt x="29800" y="59669"/>
+                </a:lnTo>
+                <a:lnTo>
+                  <a:pt x="30004" y="59397"/>
+                </a:lnTo>
+                <a:lnTo>
+                  <a:pt x="30140" y="59125"/>
+                </a:lnTo>
+                <a:lnTo>
+                  <a:pt x="30276" y="58718"/>
+                </a:lnTo>
+                <a:lnTo>
+                  <a:pt x="30276" y="58311"/>
+                </a:lnTo>
+                <a:lnTo>
+                  <a:pt x="30276" y="3259"/>
+                </a:lnTo>
+                <a:lnTo>
+                  <a:pt x="30276" y="2852"/>
+                </a:lnTo>
+                <a:lnTo>
+                  <a:pt x="30140" y="2444"/>
+                </a:lnTo>
+                <a:lnTo>
+                  <a:pt x="30004" y="2173"/>
+                </a:lnTo>
+                <a:lnTo>
+                  <a:pt x="29800" y="1901"/>
+                </a:lnTo>
+                <a:lnTo>
+                  <a:pt x="29529" y="1698"/>
+                </a:lnTo>
+                <a:lnTo>
+                  <a:pt x="29190" y="1494"/>
+                </a:lnTo>
+                <a:lnTo>
+                  <a:pt x="28850" y="1358"/>
+                </a:lnTo>
+                <a:lnTo>
+                  <a:pt x="28375" y="1223"/>
+                </a:lnTo>
+                <a:lnTo>
+                  <a:pt x="27560" y="1087"/>
+                </a:lnTo>
+                <a:close/>
+                <a:moveTo>
+                  <a:pt x="15410" y="1"/>
+                </a:moveTo>
+                <a:lnTo>
+                  <a:pt x="11608" y="69"/>
+                </a:lnTo>
+                <a:lnTo>
+                  <a:pt x="7739" y="204"/>
+                </a:lnTo>
+                <a:lnTo>
+                  <a:pt x="4413" y="408"/>
+                </a:lnTo>
+                <a:lnTo>
+                  <a:pt x="3191" y="544"/>
+                </a:lnTo>
+                <a:lnTo>
+                  <a:pt x="2309" y="680"/>
+                </a:lnTo>
+                <a:lnTo>
+                  <a:pt x="1765" y="815"/>
+                </a:lnTo>
+                <a:lnTo>
+                  <a:pt x="1290" y="1019"/>
+                </a:lnTo>
+                <a:lnTo>
+                  <a:pt x="883" y="1223"/>
+                </a:lnTo>
+                <a:lnTo>
+                  <a:pt x="544" y="1494"/>
+                </a:lnTo>
+                <a:lnTo>
+                  <a:pt x="340" y="1901"/>
+                </a:lnTo>
+                <a:lnTo>
+                  <a:pt x="136" y="2241"/>
+                </a:lnTo>
+                <a:lnTo>
+                  <a:pt x="1" y="2716"/>
+                </a:lnTo>
+                <a:lnTo>
+                  <a:pt x="1" y="3259"/>
+                </a:lnTo>
+                <a:lnTo>
+                  <a:pt x="1" y="58311"/>
+                </a:lnTo>
+                <a:lnTo>
+                  <a:pt x="1" y="58854"/>
+                </a:lnTo>
+                <a:lnTo>
+                  <a:pt x="136" y="59261"/>
+                </a:lnTo>
+                <a:lnTo>
+                  <a:pt x="340" y="59736"/>
+                </a:lnTo>
+                <a:lnTo>
+                  <a:pt x="612" y="60076"/>
+                </a:lnTo>
+                <a:lnTo>
+                  <a:pt x="951" y="60347"/>
+                </a:lnTo>
+                <a:lnTo>
+                  <a:pt x="1358" y="60619"/>
+                </a:lnTo>
+                <a:lnTo>
+                  <a:pt x="1833" y="60823"/>
+                </a:lnTo>
+                <a:lnTo>
+                  <a:pt x="2309" y="60958"/>
+                </a:lnTo>
+                <a:lnTo>
+                  <a:pt x="4006" y="61162"/>
+                </a:lnTo>
+                <a:lnTo>
+                  <a:pt x="6857" y="61501"/>
+                </a:lnTo>
+                <a:lnTo>
+                  <a:pt x="8689" y="61637"/>
+                </a:lnTo>
+                <a:lnTo>
+                  <a:pt x="10726" y="61705"/>
+                </a:lnTo>
+                <a:lnTo>
+                  <a:pt x="12966" y="61773"/>
+                </a:lnTo>
+                <a:lnTo>
+                  <a:pt x="15410" y="61841"/>
+                </a:lnTo>
+                <a:lnTo>
+                  <a:pt x="17853" y="61773"/>
+                </a:lnTo>
+                <a:lnTo>
+                  <a:pt x="20093" y="61705"/>
+                </a:lnTo>
+                <a:lnTo>
+                  <a:pt x="22130" y="61637"/>
+                </a:lnTo>
+                <a:lnTo>
+                  <a:pt x="23963" y="61501"/>
+                </a:lnTo>
+                <a:lnTo>
+                  <a:pt x="26814" y="61162"/>
+                </a:lnTo>
+                <a:lnTo>
+                  <a:pt x="28511" y="60958"/>
+                </a:lnTo>
+                <a:lnTo>
+                  <a:pt x="28986" y="60823"/>
+                </a:lnTo>
+                <a:lnTo>
+                  <a:pt x="29461" y="60619"/>
+                </a:lnTo>
+                <a:lnTo>
+                  <a:pt x="29868" y="60347"/>
+                </a:lnTo>
+                <a:lnTo>
+                  <a:pt x="30208" y="60076"/>
+                </a:lnTo>
+                <a:lnTo>
+                  <a:pt x="30479" y="59736"/>
+                </a:lnTo>
+                <a:lnTo>
+                  <a:pt x="30683" y="59261"/>
+                </a:lnTo>
+                <a:lnTo>
+                  <a:pt x="30819" y="58854"/>
+                </a:lnTo>
+                <a:lnTo>
+                  <a:pt x="30819" y="58311"/>
+                </a:lnTo>
+                <a:lnTo>
+                  <a:pt x="30819" y="3259"/>
+                </a:lnTo>
+                <a:lnTo>
+                  <a:pt x="30819" y="2716"/>
+                </a:lnTo>
+                <a:lnTo>
+                  <a:pt x="30683" y="2241"/>
+                </a:lnTo>
+                <a:lnTo>
+                  <a:pt x="30547" y="1901"/>
+                </a:lnTo>
+                <a:lnTo>
+                  <a:pt x="30276" y="1494"/>
+                </a:lnTo>
+                <a:lnTo>
+                  <a:pt x="29936" y="1223"/>
+                </a:lnTo>
+                <a:lnTo>
+                  <a:pt x="29529" y="1019"/>
+                </a:lnTo>
+                <a:lnTo>
+                  <a:pt x="29054" y="815"/>
+                </a:lnTo>
+                <a:lnTo>
+                  <a:pt x="28511" y="680"/>
+                </a:lnTo>
+                <a:lnTo>
+                  <a:pt x="27628" y="544"/>
+                </a:lnTo>
+                <a:lnTo>
+                  <a:pt x="26406" y="408"/>
+                </a:lnTo>
+                <a:lnTo>
+                  <a:pt x="23080" y="204"/>
+                </a:lnTo>
+                <a:lnTo>
+                  <a:pt x="19211" y="69"/>
+                </a:lnTo>
+                <a:lnTo>
+                  <a:pt x="15410" y="1"/>
+                </a:lnTo>
+                <a:close/>
+              </a:path>
+            </a:pathLst>
+          </a:custGeom>
+          <a:solidFill>
+            <a:srgbClr val="FFFFFF"/>
+          </a:solidFill>
+          <a:ln w="9525" cap="flat" cmpd="sng">
+            <a:solidFill>
+              <a:srgbClr val="A1BECC"/>
+            </a:solidFill>
+            <a:prstDash val="solid"/>
+            <a:round/>
+            <a:headEnd type="none" w="med" len="med"/>
+            <a:tailEnd type="none" w="med" len="med"/>
+          </a:ln>
+        </p:spPr>
+        <p:txBody>
+          <a:bodyPr lIns="91425" tIns="91425" rIns="91425" bIns="91425" anchor="ctr" anchorCtr="0">
+            <a:noAutofit/>
           </a:bodyPr>
-          <a:lstStyle/>
-          <a:p>
-            <a:r>
-              <a:rPr lang="de-DE" sz="2400" dirty="0" smtClean="0"/>
-              <a:t>Karte anzeigen </a:t>
-            </a:r>
-          </a:p>
-          <a:p>
-            <a:r>
-              <a:rPr lang="de-DE" sz="2400" dirty="0" smtClean="0"/>
-              <a:t>Bildgalerien</a:t>
-            </a:r>
-          </a:p>
-          <a:p>
-            <a:r>
-              <a:rPr lang="de-DE" sz="2400" dirty="0" smtClean="0"/>
-              <a:t>Beiträge Sortieren</a:t>
-            </a:r>
-          </a:p>
-          <a:p>
-            <a:r>
-              <a:rPr lang="de-DE" sz="2400" dirty="0" smtClean="0"/>
-              <a:t>Informieren</a:t>
-            </a:r>
-          </a:p>
-          <a:p>
-            <a:r>
-              <a:rPr lang="de-DE" sz="2400" dirty="0" smtClean="0"/>
-              <a:t>Kommentare </a:t>
-            </a:r>
-            <a:r>
-              <a:rPr lang="de-DE" sz="2400" dirty="0" smtClean="0"/>
-              <a:t>Hinterlassen</a:t>
-            </a:r>
-          </a:p>
-          <a:p>
-            <a:r>
-              <a:rPr lang="de-DE" sz="2400" dirty="0" smtClean="0"/>
-              <a:t>Mehrere Sprachen</a:t>
-            </a:r>
-            <a:endParaRPr lang="de-DE" sz="2400" dirty="0" smtClean="0"/>
-          </a:p>
-          <a:p>
-            <a:endParaRPr lang="de-DE" dirty="0" smtClean="0"/>
-          </a:p>
-          <a:p>
-            <a:endParaRPr lang="de-DE" dirty="0"/>
+          <a:lstStyle>
+            <a:defPPr marR="0" lvl="0" algn="l" rtl="0">
+              <a:lnSpc>
+                <a:spcPct val="100000"/>
+              </a:lnSpc>
+              <a:spcBef>
+                <a:spcPts val="0"/>
+              </a:spcBef>
+              <a:spcAft>
+                <a:spcPts val="0"/>
+              </a:spcAft>
+            </a:defPPr>
+            <a:lvl1pPr marR="0" lvl="0" algn="l" rtl="0">
+              <a:lnSpc>
+                <a:spcPct val="100000"/>
+              </a:lnSpc>
+              <a:spcBef>
+                <a:spcPts val="0"/>
+              </a:spcBef>
+              <a:spcAft>
+                <a:spcPts val="0"/>
+              </a:spcAft>
+              <a:buNone/>
+              <a:defRPr sz="1400" b="0" i="0" u="none" strike="noStrike" cap="none">
+                <a:solidFill>
+                  <a:srgbClr val="000000"/>
+                </a:solidFill>
+                <a:latin typeface="Arial"/>
+                <a:ea typeface="Arial"/>
+                <a:cs typeface="Arial"/>
+                <a:sym typeface="Arial"/>
+              </a:defRPr>
+            </a:lvl1pPr>
+            <a:lvl2pPr marR="0" lvl="1" algn="l" rtl="0">
+              <a:lnSpc>
+                <a:spcPct val="100000"/>
+              </a:lnSpc>
+              <a:spcBef>
+                <a:spcPts val="0"/>
+              </a:spcBef>
+              <a:spcAft>
+                <a:spcPts val="0"/>
+              </a:spcAft>
+              <a:buNone/>
+              <a:defRPr sz="1400" b="0" i="0" u="none" strike="noStrike" cap="none">
+                <a:solidFill>
+                  <a:srgbClr val="000000"/>
+                </a:solidFill>
+                <a:latin typeface="Arial"/>
+                <a:ea typeface="Arial"/>
+                <a:cs typeface="Arial"/>
+                <a:sym typeface="Arial"/>
+              </a:defRPr>
+            </a:lvl2pPr>
+            <a:lvl3pPr marR="0" lvl="2" algn="l" rtl="0">
+              <a:lnSpc>
+                <a:spcPct val="100000"/>
+              </a:lnSpc>
+              <a:spcBef>
+                <a:spcPts val="0"/>
+              </a:spcBef>
+              <a:spcAft>
+                <a:spcPts val="0"/>
+              </a:spcAft>
+              <a:buNone/>
+              <a:defRPr sz="1400" b="0" i="0" u="none" strike="noStrike" cap="none">
+                <a:solidFill>
+                  <a:srgbClr val="000000"/>
+                </a:solidFill>
+                <a:latin typeface="Arial"/>
+                <a:ea typeface="Arial"/>
+                <a:cs typeface="Arial"/>
+                <a:sym typeface="Arial"/>
+              </a:defRPr>
+            </a:lvl3pPr>
+            <a:lvl4pPr marR="0" lvl="3" algn="l" rtl="0">
+              <a:lnSpc>
+                <a:spcPct val="100000"/>
+              </a:lnSpc>
+              <a:spcBef>
+                <a:spcPts val="0"/>
+              </a:spcBef>
+              <a:spcAft>
+                <a:spcPts val="0"/>
+              </a:spcAft>
+              <a:buNone/>
+              <a:defRPr sz="1400" b="0" i="0" u="none" strike="noStrike" cap="none">
+                <a:solidFill>
+                  <a:srgbClr val="000000"/>
+                </a:solidFill>
+                <a:latin typeface="Arial"/>
+                <a:ea typeface="Arial"/>
+                <a:cs typeface="Arial"/>
+                <a:sym typeface="Arial"/>
+              </a:defRPr>
+            </a:lvl4pPr>
+            <a:lvl5pPr marR="0" lvl="4" algn="l" rtl="0">
+              <a:lnSpc>
+                <a:spcPct val="100000"/>
+              </a:lnSpc>
+              <a:spcBef>
+                <a:spcPts val="0"/>
+              </a:spcBef>
+              <a:spcAft>
+                <a:spcPts val="0"/>
+              </a:spcAft>
+              <a:buNone/>
+              <a:defRPr sz="1400" b="0" i="0" u="none" strike="noStrike" cap="none">
+                <a:solidFill>
+                  <a:srgbClr val="000000"/>
+                </a:solidFill>
+                <a:latin typeface="Arial"/>
+                <a:ea typeface="Arial"/>
+                <a:cs typeface="Arial"/>
+                <a:sym typeface="Arial"/>
+              </a:defRPr>
+            </a:lvl5pPr>
+            <a:lvl6pPr marR="0" lvl="5" algn="l" rtl="0">
+              <a:lnSpc>
+                <a:spcPct val="100000"/>
+              </a:lnSpc>
+              <a:spcBef>
+                <a:spcPts val="0"/>
+              </a:spcBef>
+              <a:spcAft>
+                <a:spcPts val="0"/>
+              </a:spcAft>
+              <a:buNone/>
+              <a:defRPr sz="1400" b="0" i="0" u="none" strike="noStrike" cap="none">
+                <a:solidFill>
+                  <a:srgbClr val="000000"/>
+                </a:solidFill>
+                <a:latin typeface="Arial"/>
+                <a:ea typeface="Arial"/>
+                <a:cs typeface="Arial"/>
+                <a:sym typeface="Arial"/>
+              </a:defRPr>
+            </a:lvl6pPr>
+            <a:lvl7pPr marR="0" lvl="6" algn="l" rtl="0">
+              <a:lnSpc>
+                <a:spcPct val="100000"/>
+              </a:lnSpc>
+              <a:spcBef>
+                <a:spcPts val="0"/>
+              </a:spcBef>
+              <a:spcAft>
+                <a:spcPts val="0"/>
+              </a:spcAft>
+              <a:buNone/>
+              <a:defRPr sz="1400" b="0" i="0" u="none" strike="noStrike" cap="none">
+                <a:solidFill>
+                  <a:srgbClr val="000000"/>
+                </a:solidFill>
+                <a:latin typeface="Arial"/>
+                <a:ea typeface="Arial"/>
+                <a:cs typeface="Arial"/>
+                <a:sym typeface="Arial"/>
+              </a:defRPr>
+            </a:lvl7pPr>
+            <a:lvl8pPr marR="0" lvl="7" algn="l" rtl="0">
+              <a:lnSpc>
+                <a:spcPct val="100000"/>
+              </a:lnSpc>
+              <a:spcBef>
+                <a:spcPts val="0"/>
+              </a:spcBef>
+              <a:spcAft>
+                <a:spcPts val="0"/>
+              </a:spcAft>
+              <a:buNone/>
+              <a:defRPr sz="1400" b="0" i="0" u="none" strike="noStrike" cap="none">
+                <a:solidFill>
+                  <a:srgbClr val="000000"/>
+                </a:solidFill>
+                <a:latin typeface="Arial"/>
+                <a:ea typeface="Arial"/>
+                <a:cs typeface="Arial"/>
+                <a:sym typeface="Arial"/>
+              </a:defRPr>
+            </a:lvl8pPr>
+            <a:lvl9pPr marR="0" lvl="8" algn="l" rtl="0">
+              <a:lnSpc>
+                <a:spcPct val="100000"/>
+              </a:lnSpc>
+              <a:spcBef>
+                <a:spcPts val="0"/>
+              </a:spcBef>
+              <a:spcAft>
+                <a:spcPts val="0"/>
+              </a:spcAft>
+              <a:buNone/>
+              <a:defRPr sz="1400" b="0" i="0" u="none" strike="noStrike" cap="none">
+                <a:solidFill>
+                  <a:srgbClr val="000000"/>
+                </a:solidFill>
+                <a:latin typeface="Arial"/>
+                <a:ea typeface="Arial"/>
+                <a:cs typeface="Arial"/>
+                <a:sym typeface="Arial"/>
+              </a:defRPr>
+            </a:lvl9pPr>
+          </a:lstStyle>
+          <a:p>
+            <a:pPr lvl="0">
+              <a:spcBef>
+                <a:spcPts val="0"/>
+              </a:spcBef>
+              <a:buNone/>
+            </a:pPr>
+            <a:endParaRPr/>
           </a:p>
         </p:txBody>
       </p:sp>
       <p:pic>
         <p:nvPicPr>
-          <p:cNvPr id="4" name="Grafik 3"/>
+          <p:cNvPr id="5" name="Grafik 4"/>
           <p:cNvPicPr>
             <a:picLocks noChangeAspect="1"/>
           </p:cNvPicPr>
@@ -7381,163 +8862,8 @@
         </p:blipFill>
         <p:spPr>
           <a:xfrm>
-            <a:off x="6607492" y="2909665"/>
-            <a:ext cx="5280501" cy="2836430"/>
-          </a:xfrm>
-          <a:prstGeom prst="roundRect">
-            <a:avLst>
-              <a:gd name="adj" fmla="val 8594"/>
-            </a:avLst>
-          </a:prstGeom>
-          <a:solidFill>
-            <a:srgbClr val="FFFFFF">
-              <a:shade val="85000"/>
-            </a:srgbClr>
-          </a:solidFill>
-          <a:ln>
-            <a:noFill/>
-          </a:ln>
-          <a:effectLst>
-            <a:reflection blurRad="12700" stA="38000" endPos="28000" dist="5000" dir="5400000" sy="-100000" algn="bl" rotWithShape="0"/>
-          </a:effectLst>
-        </p:spPr>
-      </p:pic>
-      <p:pic>
-        <p:nvPicPr>
-          <p:cNvPr id="5" name="Grafik 4"/>
-          <p:cNvPicPr>
-            <a:picLocks noChangeAspect="1"/>
-          </p:cNvPicPr>
-          <p:nvPr/>
-        </p:nvPicPr>
-        <p:blipFill>
-          <a:blip r:embed="rId3"/>
-          <a:stretch>
-            <a:fillRect/>
-          </a:stretch>
-        </p:blipFill>
-        <p:spPr>
-          <a:xfrm>
-            <a:off x="344100" y="1117423"/>
-            <a:ext cx="3707200" cy="2905480"/>
-          </a:xfrm>
-          <a:prstGeom prst="roundRect">
-            <a:avLst>
-              <a:gd name="adj" fmla="val 8594"/>
-            </a:avLst>
-          </a:prstGeom>
-          <a:solidFill>
-            <a:srgbClr val="FFFFFF">
-              <a:shade val="85000"/>
-            </a:srgbClr>
-          </a:solidFill>
-          <a:ln>
-            <a:noFill/>
-          </a:ln>
-          <a:effectLst>
-            <a:reflection blurRad="12700" stA="38000" endPos="28000" dist="5000" dir="5400000" sy="-100000" algn="bl" rotWithShape="0"/>
-          </a:effectLst>
-        </p:spPr>
-      </p:pic>
-      <p:pic>
-        <p:nvPicPr>
-          <p:cNvPr id="6" name="Grafik 5"/>
-          <p:cNvPicPr>
-            <a:picLocks noChangeAspect="1"/>
-          </p:cNvPicPr>
-          <p:nvPr/>
-        </p:nvPicPr>
-        <p:blipFill>
-          <a:blip r:embed="rId4"/>
-          <a:stretch>
-            <a:fillRect/>
-          </a:stretch>
-        </p:blipFill>
-        <p:spPr>
-          <a:xfrm>
-            <a:off x="611692" y="4191000"/>
-            <a:ext cx="5625208" cy="2370137"/>
-          </a:xfrm>
-          <a:prstGeom prst="roundRect">
-            <a:avLst>
-              <a:gd name="adj" fmla="val 8594"/>
-            </a:avLst>
-          </a:prstGeom>
-          <a:solidFill>
-            <a:srgbClr val="FFFFFF">
-              <a:shade val="85000"/>
-            </a:srgbClr>
-          </a:solidFill>
-          <a:ln>
-            <a:noFill/>
-          </a:ln>
-          <a:effectLst>
-            <a:reflection blurRad="12700" stA="38000" endPos="28000" dist="5000" dir="5400000" sy="-100000" algn="bl" rotWithShape="0"/>
-          </a:effectLst>
-        </p:spPr>
-      </p:pic>
-      <p:pic>
-        <p:nvPicPr>
-          <p:cNvPr id="7" name="Grafik 6"/>
-          <p:cNvPicPr>
-            <a:picLocks noChangeAspect="1"/>
-          </p:cNvPicPr>
-          <p:nvPr/>
-        </p:nvPicPr>
-        <p:blipFill>
-          <a:blip r:embed="rId5" cstate="print">
-            <a:extLst>
-              <a:ext uri="{28A0092B-C50C-407E-A947-70E740481C1C}">
-                <a14:useLocalDpi xmlns:a14="http://schemas.microsoft.com/office/drawing/2010/main" val="0"/>
-              </a:ext>
-            </a:extLst>
-          </a:blip>
-          <a:stretch>
-            <a:fillRect/>
-          </a:stretch>
-        </p:blipFill>
-        <p:spPr>
-          <a:xfrm>
-            <a:off x="11419246" y="0"/>
-            <a:ext cx="772754" cy="414111"/>
-          </a:xfrm>
-          <a:prstGeom prst="rect">
-            <a:avLst/>
-          </a:prstGeom>
-          <a:ln w="38100" cap="sq">
-            <a:solidFill>
-              <a:srgbClr val="000000"/>
-            </a:solidFill>
-            <a:prstDash val="solid"/>
-            <a:miter lim="800000"/>
-          </a:ln>
-          <a:effectLst>
-            <a:outerShdw blurRad="50800" dist="38100" dir="2700000" algn="tl" rotWithShape="0">
-              <a:srgbClr val="000000">
-                <a:alpha val="43000"/>
-              </a:srgbClr>
-            </a:outerShdw>
-          </a:effectLst>
-        </p:spPr>
-      </p:pic>
-      <p:pic>
-        <p:nvPicPr>
-          <p:cNvPr id="8" name="Grafik 7"/>
-          <p:cNvPicPr>
-            <a:picLocks noChangeAspect="1"/>
-          </p:cNvPicPr>
-          <p:nvPr/>
-        </p:nvPicPr>
-        <p:blipFill>
-          <a:blip r:embed="rId6"/>
-          <a:stretch>
-            <a:fillRect/>
-          </a:stretch>
-        </p:blipFill>
-        <p:spPr>
-          <a:xfrm>
-            <a:off x="4545771" y="1738313"/>
-            <a:ext cx="1876425" cy="2019300"/>
+            <a:off x="7646643" y="1125207"/>
+            <a:ext cx="2752337" cy="4904892"/>
           </a:xfrm>
           <a:prstGeom prst="rect">
             <a:avLst/>
@@ -7547,7 +8873,7 @@
     </p:spTree>
     <p:extLst>
       <p:ext uri="{BB962C8B-B14F-4D97-AF65-F5344CB8AC3E}">
-        <p14:creationId xmlns:p14="http://schemas.microsoft.com/office/powerpoint/2010/main" val="1291717279"/>
+        <p14:creationId xmlns:p14="http://schemas.microsoft.com/office/powerpoint/2010/main" val="2324689908"/>
       </p:ext>
     </p:extLst>
   </p:cSld>
@@ -7591,59 +8917,85 @@
             <p:ph type="title"/>
           </p:nvPr>
         </p:nvSpPr>
-        <p:spPr/>
-        <p:txBody>
-          <a:bodyPr/>
-          <a:lstStyle/>
-          <a:p>
-            <a:r>
-              <a:rPr lang="de-DE" dirty="0" smtClean="0"/>
-              <a:t>Wie wurde es realisiert?</a:t>
-            </a:r>
-            <a:endParaRPr lang="de-DE" dirty="0"/>
-          </a:p>
-        </p:txBody>
-      </p:sp>
-      <p:sp>
-        <p:nvSpPr>
-          <p:cNvPr id="3" name="Inhaltsplatzhalter 2"/>
-          <p:cNvSpPr>
-            <a:spLocks noGrp="1"/>
-          </p:cNvSpPr>
-          <p:nvPr>
-            <p:ph idx="1"/>
-          </p:nvPr>
-        </p:nvSpPr>
         <p:spPr>
           <a:xfrm>
-            <a:off x="1120000" y="1825625"/>
-            <a:ext cx="5205299" cy="1741359"/>
+            <a:off x="229800" y="365125"/>
+            <a:ext cx="6007100" cy="1057275"/>
           </a:xfrm>
         </p:spPr>
         <p:txBody>
           <a:bodyPr>
-            <a:normAutofit lnSpcReduction="10000"/>
+            <a:normAutofit fontScale="90000"/>
           </a:bodyPr>
           <a:lstStyle/>
           <a:p>
             <a:r>
-              <a:rPr lang="de-DE" dirty="0" smtClean="0"/>
-              <a:t>Selber </a:t>
-            </a:r>
-            <a:r>
-              <a:rPr lang="de-DE" dirty="0" smtClean="0"/>
-              <a:t>Programmiert(soweit </a:t>
-            </a:r>
-            <a:r>
-              <a:rPr lang="de-DE" dirty="0" smtClean="0"/>
-              <a:t>wie es die Kenntnisse zuließen)</a:t>
-            </a:r>
-          </a:p>
-          <a:p>
-            <a:r>
-              <a:rPr lang="de-DE" dirty="0" smtClean="0"/>
-              <a:t>Teile aus dem Internet übernehmen </a:t>
-            </a:r>
+              <a:rPr lang="de-DE" sz="4800" dirty="0" smtClean="0"/>
+              <a:t>Was kann die Webseite?</a:t>
+            </a:r>
+            <a:endParaRPr lang="de-DE" sz="4800" dirty="0"/>
+          </a:p>
+        </p:txBody>
+      </p:sp>
+      <p:sp>
+        <p:nvSpPr>
+          <p:cNvPr id="3" name="Inhaltsplatzhalter 2"/>
+          <p:cNvSpPr>
+            <a:spLocks noGrp="1"/>
+          </p:cNvSpPr>
+          <p:nvPr>
+            <p:ph idx="1"/>
+          </p:nvPr>
+        </p:nvSpPr>
+        <p:spPr>
+          <a:xfrm>
+            <a:off x="6950093" y="365125"/>
+            <a:ext cx="4937900" cy="2382838"/>
+          </a:xfrm>
+        </p:spPr>
+        <p:txBody>
+          <a:bodyPr>
+            <a:normAutofit fontScale="92500" lnSpcReduction="10000"/>
+          </a:bodyPr>
+          <a:lstStyle/>
+          <a:p>
+            <a:r>
+              <a:rPr lang="de-DE" sz="2400" dirty="0" smtClean="0"/>
+              <a:t>Karte anzeigen </a:t>
+            </a:r>
+          </a:p>
+          <a:p>
+            <a:r>
+              <a:rPr lang="de-DE" sz="2400" dirty="0" smtClean="0"/>
+              <a:t>Bildgalerien</a:t>
+            </a:r>
+          </a:p>
+          <a:p>
+            <a:r>
+              <a:rPr lang="de-DE" sz="2400" dirty="0" smtClean="0"/>
+              <a:t>Beiträge Sortieren</a:t>
+            </a:r>
+          </a:p>
+          <a:p>
+            <a:r>
+              <a:rPr lang="de-DE" sz="2400" dirty="0" smtClean="0"/>
+              <a:t>Informieren</a:t>
+            </a:r>
+          </a:p>
+          <a:p>
+            <a:r>
+              <a:rPr lang="de-DE" sz="2400" dirty="0" smtClean="0"/>
+              <a:t>Kommentare Hinterlassen</a:t>
+            </a:r>
+          </a:p>
+          <a:p>
+            <a:r>
+              <a:rPr lang="de-DE" sz="2400" dirty="0" smtClean="0"/>
+              <a:t>Mehrere Sprachen</a:t>
+            </a:r>
+          </a:p>
+          <a:p>
+            <a:endParaRPr lang="de-DE" dirty="0" smtClean="0"/>
           </a:p>
           <a:p>
             <a:endParaRPr lang="de-DE" dirty="0"/>
@@ -7659,7 +9011,118 @@
           <p:nvPr/>
         </p:nvPicPr>
         <p:blipFill>
-          <a:blip r:embed="rId2" cstate="print">
+          <a:blip r:embed="rId2"/>
+          <a:stretch>
+            <a:fillRect/>
+          </a:stretch>
+        </p:blipFill>
+        <p:spPr>
+          <a:xfrm>
+            <a:off x="6607492" y="2909665"/>
+            <a:ext cx="5280501" cy="2836430"/>
+          </a:xfrm>
+          <a:prstGeom prst="roundRect">
+            <a:avLst>
+              <a:gd name="adj" fmla="val 8594"/>
+            </a:avLst>
+          </a:prstGeom>
+          <a:solidFill>
+            <a:srgbClr val="FFFFFF">
+              <a:shade val="85000"/>
+            </a:srgbClr>
+          </a:solidFill>
+          <a:ln>
+            <a:noFill/>
+          </a:ln>
+          <a:effectLst>
+            <a:reflection blurRad="12700" stA="38000" endPos="28000" dist="5000" dir="5400000" sy="-100000" algn="bl" rotWithShape="0"/>
+          </a:effectLst>
+        </p:spPr>
+      </p:pic>
+      <p:pic>
+        <p:nvPicPr>
+          <p:cNvPr id="5" name="Grafik 4"/>
+          <p:cNvPicPr>
+            <a:picLocks noChangeAspect="1"/>
+          </p:cNvPicPr>
+          <p:nvPr/>
+        </p:nvPicPr>
+        <p:blipFill>
+          <a:blip r:embed="rId3"/>
+          <a:stretch>
+            <a:fillRect/>
+          </a:stretch>
+        </p:blipFill>
+        <p:spPr>
+          <a:xfrm>
+            <a:off x="344100" y="1117423"/>
+            <a:ext cx="3707200" cy="2905480"/>
+          </a:xfrm>
+          <a:prstGeom prst="roundRect">
+            <a:avLst>
+              <a:gd name="adj" fmla="val 8594"/>
+            </a:avLst>
+          </a:prstGeom>
+          <a:solidFill>
+            <a:srgbClr val="FFFFFF">
+              <a:shade val="85000"/>
+            </a:srgbClr>
+          </a:solidFill>
+          <a:ln>
+            <a:noFill/>
+          </a:ln>
+          <a:effectLst>
+            <a:reflection blurRad="12700" stA="38000" endPos="28000" dist="5000" dir="5400000" sy="-100000" algn="bl" rotWithShape="0"/>
+          </a:effectLst>
+        </p:spPr>
+      </p:pic>
+      <p:pic>
+        <p:nvPicPr>
+          <p:cNvPr id="6" name="Grafik 5"/>
+          <p:cNvPicPr>
+            <a:picLocks noChangeAspect="1"/>
+          </p:cNvPicPr>
+          <p:nvPr/>
+        </p:nvPicPr>
+        <p:blipFill>
+          <a:blip r:embed="rId4"/>
+          <a:stretch>
+            <a:fillRect/>
+          </a:stretch>
+        </p:blipFill>
+        <p:spPr>
+          <a:xfrm>
+            <a:off x="611692" y="4191000"/>
+            <a:ext cx="5625208" cy="2370137"/>
+          </a:xfrm>
+          <a:prstGeom prst="roundRect">
+            <a:avLst>
+              <a:gd name="adj" fmla="val 8594"/>
+            </a:avLst>
+          </a:prstGeom>
+          <a:solidFill>
+            <a:srgbClr val="FFFFFF">
+              <a:shade val="85000"/>
+            </a:srgbClr>
+          </a:solidFill>
+          <a:ln>
+            <a:noFill/>
+          </a:ln>
+          <a:effectLst>
+            <a:reflection blurRad="12700" stA="38000" endPos="28000" dist="5000" dir="5400000" sy="-100000" algn="bl" rotWithShape="0"/>
+          </a:effectLst>
+        </p:spPr>
+      </p:pic>
+      <p:pic>
+        <p:nvPicPr>
+          <p:cNvPr id="7" name="Grafik 6"/>
+          <p:cNvPicPr>
+            <a:picLocks noChangeAspect="1"/>
+          </p:cNvPicPr>
+          <p:nvPr/>
+        </p:nvPicPr>
+        <p:blipFill>
+          <a:blip r:embed="rId5" cstate="print">
             <a:extLst>
               <a:ext uri="{28A0092B-C50C-407E-A947-70E740481C1C}">
                 <a14:useLocalDpi xmlns:a14="http://schemas.microsoft.com/office/drawing/2010/main" val="0"/>
@@ -7696,43 +9159,6 @@
       </p:pic>
       <p:pic>
         <p:nvPicPr>
-          <p:cNvPr id="6" name="Grafik 5"/>
-          <p:cNvPicPr>
-            <a:picLocks noChangeAspect="1"/>
-          </p:cNvPicPr>
-          <p:nvPr/>
-        </p:nvPicPr>
-        <p:blipFill>
-          <a:blip r:embed="rId3"/>
-          <a:stretch>
-            <a:fillRect/>
-          </a:stretch>
-        </p:blipFill>
-        <p:spPr>
-          <a:xfrm>
-            <a:off x="6661480" y="1586797"/>
-            <a:ext cx="5144143" cy="3132467"/>
-          </a:xfrm>
-          <a:prstGeom prst="roundRect">
-            <a:avLst>
-              <a:gd name="adj" fmla="val 8594"/>
-            </a:avLst>
-          </a:prstGeom>
-          <a:solidFill>
-            <a:srgbClr val="FFFFFF">
-              <a:shade val="85000"/>
-            </a:srgbClr>
-          </a:solidFill>
-          <a:ln>
-            <a:noFill/>
-          </a:ln>
-          <a:effectLst>
-            <a:reflection blurRad="12700" stA="38000" endPos="28000" dist="5000" dir="5400000" sy="-100000" algn="bl" rotWithShape="0"/>
-          </a:effectLst>
-        </p:spPr>
-      </p:pic>
-      <p:pic>
-        <p:nvPicPr>
           <p:cNvPr id="8" name="Grafik 7"/>
           <p:cNvPicPr>
             <a:picLocks noChangeAspect="1"/>
@@ -7740,38 +9166,25 @@
           <p:nvPr/>
         </p:nvPicPr>
         <p:blipFill>
-          <a:blip r:embed="rId4"/>
+          <a:blip r:embed="rId6"/>
           <a:stretch>
             <a:fillRect/>
           </a:stretch>
         </p:blipFill>
         <p:spPr>
           <a:xfrm>
-            <a:off x="838200" y="4937049"/>
-            <a:ext cx="7296150" cy="1162050"/>
-          </a:xfrm>
-          <a:prstGeom prst="roundRect">
-            <a:avLst>
-              <a:gd name="adj" fmla="val 8594"/>
-            </a:avLst>
+            <a:off x="4545771" y="1738313"/>
+            <a:ext cx="1876425" cy="2019300"/>
+          </a:xfrm>
+          <a:prstGeom prst="rect">
+            <a:avLst/>
           </a:prstGeom>
-          <a:solidFill>
-            <a:srgbClr val="FFFFFF">
-              <a:shade val="85000"/>
-            </a:srgbClr>
-          </a:solidFill>
-          <a:ln>
-            <a:noFill/>
-          </a:ln>
-          <a:effectLst>
-            <a:reflection blurRad="12700" stA="38000" endPos="28000" dist="5000" dir="5400000" sy="-100000" algn="bl" rotWithShape="0"/>
-          </a:effectLst>
         </p:spPr>
       </p:pic>
     </p:spTree>
     <p:extLst>
       <p:ext uri="{BB962C8B-B14F-4D97-AF65-F5344CB8AC3E}">
-        <p14:creationId xmlns:p14="http://schemas.microsoft.com/office/powerpoint/2010/main" val="604165382"/>
+        <p14:creationId xmlns:p14="http://schemas.microsoft.com/office/powerpoint/2010/main" val="1291717279"/>
       </p:ext>
     </p:extLst>
   </p:cSld>
@@ -7822,6 +9235,298 @@
           <a:p>
             <a:r>
               <a:rPr lang="de-DE" dirty="0" smtClean="0"/>
+              <a:t>Wie wurde es realisiert?</a:t>
+            </a:r>
+            <a:endParaRPr lang="de-DE" dirty="0"/>
+          </a:p>
+        </p:txBody>
+      </p:sp>
+      <p:sp>
+        <p:nvSpPr>
+          <p:cNvPr id="3" name="Inhaltsplatzhalter 2"/>
+          <p:cNvSpPr>
+            <a:spLocks noGrp="1"/>
+          </p:cNvSpPr>
+          <p:nvPr>
+            <p:ph idx="1"/>
+          </p:nvPr>
+        </p:nvSpPr>
+        <p:spPr>
+          <a:xfrm>
+            <a:off x="1120000" y="1825625"/>
+            <a:ext cx="5205299" cy="1741359"/>
+          </a:xfrm>
+        </p:spPr>
+        <p:txBody>
+          <a:bodyPr>
+            <a:normAutofit lnSpcReduction="10000"/>
+          </a:bodyPr>
+          <a:lstStyle/>
+          <a:p>
+            <a:r>
+              <a:rPr lang="de-DE" dirty="0" smtClean="0"/>
+              <a:t>Selber Programmiert(soweit wie es die Kenntnisse zuließen)</a:t>
+            </a:r>
+          </a:p>
+          <a:p>
+            <a:r>
+              <a:rPr lang="de-DE" dirty="0" smtClean="0"/>
+              <a:t>Teile aus dem Internet übernehmen </a:t>
+            </a:r>
+          </a:p>
+          <a:p>
+            <a:endParaRPr lang="de-DE" dirty="0"/>
+          </a:p>
+        </p:txBody>
+      </p:sp>
+      <p:pic>
+        <p:nvPicPr>
+          <p:cNvPr id="4" name="Grafik 3"/>
+          <p:cNvPicPr>
+            <a:picLocks noChangeAspect="1"/>
+          </p:cNvPicPr>
+          <p:nvPr/>
+        </p:nvPicPr>
+        <p:blipFill>
+          <a:blip r:embed="rId2" cstate="print">
+            <a:extLst>
+              <a:ext uri="{28A0092B-C50C-407E-A947-70E740481C1C}">
+                <a14:useLocalDpi xmlns:a14="http://schemas.microsoft.com/office/drawing/2010/main" val="0"/>
+              </a:ext>
+            </a:extLst>
+          </a:blip>
+          <a:stretch>
+            <a:fillRect/>
+          </a:stretch>
+        </p:blipFill>
+        <p:spPr>
+          <a:xfrm>
+            <a:off x="11419246" y="0"/>
+            <a:ext cx="772754" cy="414111"/>
+          </a:xfrm>
+          <a:prstGeom prst="rect">
+            <a:avLst/>
+          </a:prstGeom>
+          <a:ln w="38100" cap="sq">
+            <a:solidFill>
+              <a:srgbClr val="000000"/>
+            </a:solidFill>
+            <a:prstDash val="solid"/>
+            <a:miter lim="800000"/>
+          </a:ln>
+          <a:effectLst>
+            <a:outerShdw blurRad="50800" dist="38100" dir="2700000" algn="tl" rotWithShape="0">
+              <a:srgbClr val="000000">
+                <a:alpha val="43000"/>
+              </a:srgbClr>
+            </a:outerShdw>
+          </a:effectLst>
+        </p:spPr>
+      </p:pic>
+      <p:pic>
+        <p:nvPicPr>
+          <p:cNvPr id="6" name="Grafik 5"/>
+          <p:cNvPicPr>
+            <a:picLocks noChangeAspect="1"/>
+          </p:cNvPicPr>
+          <p:nvPr/>
+        </p:nvPicPr>
+        <p:blipFill>
+          <a:blip r:embed="rId3"/>
+          <a:stretch>
+            <a:fillRect/>
+          </a:stretch>
+        </p:blipFill>
+        <p:spPr>
+          <a:xfrm>
+            <a:off x="6661480" y="1586797"/>
+            <a:ext cx="5144143" cy="3132467"/>
+          </a:xfrm>
+          <a:prstGeom prst="roundRect">
+            <a:avLst>
+              <a:gd name="adj" fmla="val 8594"/>
+            </a:avLst>
+          </a:prstGeom>
+          <a:solidFill>
+            <a:srgbClr val="FFFFFF">
+              <a:shade val="85000"/>
+            </a:srgbClr>
+          </a:solidFill>
+          <a:ln>
+            <a:noFill/>
+          </a:ln>
+          <a:effectLst>
+            <a:reflection blurRad="12700" stA="38000" endPos="28000" dist="5000" dir="5400000" sy="-100000" algn="bl" rotWithShape="0"/>
+          </a:effectLst>
+        </p:spPr>
+      </p:pic>
+      <p:pic>
+        <p:nvPicPr>
+          <p:cNvPr id="8" name="Grafik 7"/>
+          <p:cNvPicPr>
+            <a:picLocks noChangeAspect="1"/>
+          </p:cNvPicPr>
+          <p:nvPr/>
+        </p:nvPicPr>
+        <p:blipFill>
+          <a:blip r:embed="rId4"/>
+          <a:stretch>
+            <a:fillRect/>
+          </a:stretch>
+        </p:blipFill>
+        <p:spPr>
+          <a:xfrm>
+            <a:off x="838200" y="4937049"/>
+            <a:ext cx="7296150" cy="1162050"/>
+          </a:xfrm>
+          <a:prstGeom prst="roundRect">
+            <a:avLst>
+              <a:gd name="adj" fmla="val 8594"/>
+            </a:avLst>
+          </a:prstGeom>
+          <a:solidFill>
+            <a:srgbClr val="FFFFFF">
+              <a:shade val="85000"/>
+            </a:srgbClr>
+          </a:solidFill>
+          <a:ln>
+            <a:noFill/>
+          </a:ln>
+          <a:effectLst>
+            <a:reflection blurRad="12700" stA="38000" endPos="28000" dist="5000" dir="5400000" sy="-100000" algn="bl" rotWithShape="0"/>
+          </a:effectLst>
+        </p:spPr>
+      </p:pic>
+      <p:sp>
+        <p:nvSpPr>
+          <p:cNvPr id="5" name="Textfeld 4"/>
+          <p:cNvSpPr txBox="1"/>
+          <p:nvPr/>
+        </p:nvSpPr>
+        <p:spPr>
+          <a:xfrm>
+            <a:off x="1309816" y="3698018"/>
+            <a:ext cx="4697120" cy="1200329"/>
+          </a:xfrm>
+          <a:prstGeom prst="rect">
+            <a:avLst/>
+          </a:prstGeom>
+          <a:noFill/>
+        </p:spPr>
+        <p:txBody>
+          <a:bodyPr wrap="none" rtlCol="0">
+            <a:spAutoFit/>
+          </a:bodyPr>
+          <a:lstStyle/>
+          <a:p>
+            <a:r>
+              <a:rPr lang="de-DE" dirty="0" smtClean="0"/>
+              <a:t>Quellen:</a:t>
+            </a:r>
+          </a:p>
+          <a:p>
+            <a:r>
+              <a:rPr lang="de-DE" dirty="0" smtClean="0"/>
+              <a:t>Bildgalerie: </a:t>
+            </a:r>
+            <a:r>
+              <a:rPr lang="de-DE" dirty="0" smtClean="0">
+                <a:hlinkClick r:id="rId5"/>
+              </a:rPr>
+              <a:t>http</a:t>
+            </a:r>
+            <a:r>
+              <a:rPr lang="de-DE" dirty="0">
+                <a:hlinkClick r:id="rId5"/>
+              </a:rPr>
+              <a:t>://owlgraphic.com/owlcarousel</a:t>
+            </a:r>
+            <a:r>
+              <a:rPr lang="de-DE" dirty="0" smtClean="0">
+                <a:hlinkClick r:id="rId5"/>
+              </a:rPr>
+              <a:t>/</a:t>
+            </a:r>
+            <a:endParaRPr lang="de-DE" dirty="0" smtClean="0"/>
+          </a:p>
+          <a:p>
+            <a:r>
+              <a:rPr lang="de-DE" dirty="0"/>
+              <a:t>Design Beiträge: </a:t>
+            </a:r>
+            <a:r>
+              <a:rPr lang="de-DE" dirty="0">
+                <a:hlinkClick r:id="rId6"/>
+              </a:rPr>
+              <a:t>https://</a:t>
+            </a:r>
+            <a:r>
+              <a:rPr lang="de-DE" dirty="0" smtClean="0">
+                <a:hlinkClick r:id="rId6"/>
+              </a:rPr>
+              <a:t>templated.co/visualize</a:t>
+            </a:r>
+            <a:endParaRPr lang="de-DE" dirty="0" smtClean="0"/>
+          </a:p>
+          <a:p>
+            <a:endParaRPr lang="de-DE" dirty="0"/>
+          </a:p>
+        </p:txBody>
+      </p:sp>
+    </p:spTree>
+    <p:extLst>
+      <p:ext uri="{BB962C8B-B14F-4D97-AF65-F5344CB8AC3E}">
+        <p14:creationId xmlns:p14="http://schemas.microsoft.com/office/powerpoint/2010/main" val="604165382"/>
+      </p:ext>
+    </p:extLst>
+  </p:cSld>
+  <p:clrMapOvr>
+    <a:masterClrMapping/>
+  </p:clrMapOvr>
+  <p:timing>
+    <p:tnLst>
+      <p:par>
+        <p:cTn id="1" dur="indefinite" restart="never" nodeType="tmRoot"/>
+      </p:par>
+    </p:tnLst>
+  </p:timing>
+</p:sld>
+</file>
+
+<file path=ppt/slides/slide8.xml><?xml version="1.0" encoding="utf-8"?>
+<p:sld xmlns:a="http://schemas.openxmlformats.org/drawingml/2006/main" xmlns:r="http://schemas.openxmlformats.org/officeDocument/2006/relationships" xmlns:p="http://schemas.openxmlformats.org/presentationml/2006/main">
+  <p:cSld>
+    <p:spTree>
+      <p:nvGrpSpPr>
+        <p:cNvPr id="1" name=""/>
+        <p:cNvGrpSpPr/>
+        <p:nvPr/>
+      </p:nvGrpSpPr>
+      <p:grpSpPr>
+        <a:xfrm>
+          <a:off x="0" y="0"/>
+          <a:ext cx="0" cy="0"/>
+          <a:chOff x="0" y="0"/>
+          <a:chExt cx="0" cy="0"/>
+        </a:xfrm>
+      </p:grpSpPr>
+      <p:sp>
+        <p:nvSpPr>
+          <p:cNvPr id="2" name="Titel 1"/>
+          <p:cNvSpPr>
+            <a:spLocks noGrp="1"/>
+          </p:cNvSpPr>
+          <p:nvPr>
+            <p:ph type="title"/>
+          </p:nvPr>
+        </p:nvSpPr>
+        <p:spPr/>
+        <p:txBody>
+          <a:bodyPr/>
+          <a:lstStyle/>
+          <a:p>
+            <a:r>
+              <a:rPr lang="de-DE" dirty="0" smtClean="0"/>
               <a:t>Wartung und Einnahmen </a:t>
             </a:r>
             <a:endParaRPr lang="de-DE" dirty="0"/>
@@ -7910,15 +9615,7 @@
           <a:effectLst>
             <a:reflection blurRad="12700" stA="38000" endPos="28000" dist="5000" dir="5400000" sy="-100000" algn="bl" rotWithShape="0"/>
           </a:effectLst>
-          <a:extLst>
-            <a:ext uri="{909E8E84-426E-40DD-AFC4-6F175D3DCCD1}">
-              <a14:hiddenFill xmlns:a14="http://schemas.microsoft.com/office/drawing/2010/main">
-                <a:solidFill>
-                  <a:srgbClr val="FFFFFF"/>
-                </a:solidFill>
-              </a14:hiddenFill>
-            </a:ext>
-          </a:extLst>
+          <a:extLst/>
         </p:spPr>
       </p:pic>
       <p:pic>
@@ -7963,15 +9660,7 @@
           <a:effectLst>
             <a:reflection blurRad="12700" stA="38000" endPos="28000" dist="5000" dir="5400000" sy="-100000" algn="bl" rotWithShape="0"/>
           </a:effectLst>
-          <a:extLst>
-            <a:ext uri="{909E8E84-426E-40DD-AFC4-6F175D3DCCD1}">
-              <a14:hiddenFill xmlns:a14="http://schemas.microsoft.com/office/drawing/2010/main">
-                <a:solidFill>
-                  <a:srgbClr val="FFFFFF"/>
-                </a:solidFill>
-              </a14:hiddenFill>
-            </a:ext>
-          </a:extLst>
+          <a:extLst/>
         </p:spPr>
       </p:pic>
       <p:pic>
@@ -8021,6 +9710,13 @@
   <p:clrMapOvr>
     <a:masterClrMapping/>
   </p:clrMapOvr>
+  <p:timing>
+    <p:tnLst>
+      <p:par>
+        <p:cTn id="1" dur="indefinite" restart="never" nodeType="tmRoot"/>
+      </p:par>
+    </p:tnLst>
+  </p:timing>
 </p:sld>
 </file>
 

--- a/WebProjekt.pptx
+++ b/WebProjekt.pptx
@@ -281,7 +281,7 @@
           <a:p>
             <a:fld id="{687B722F-994C-46E8-B4CB-FBCA36E87FEE}" type="datetimeFigureOut">
               <a:rPr lang="de-DE" smtClean="0"/>
-              <a:t>10.12.2016</a:t>
+              <a:t>11.12.2016</a:t>
             </a:fld>
             <a:endParaRPr lang="de-DE"/>
           </a:p>
@@ -562,7 +562,7 @@
           <a:p>
             <a:fld id="{687B722F-994C-46E8-B4CB-FBCA36E87FEE}" type="datetimeFigureOut">
               <a:rPr lang="de-DE" smtClean="0"/>
-              <a:t>10.12.2016</a:t>
+              <a:t>11.12.2016</a:t>
             </a:fld>
             <a:endParaRPr lang="de-DE"/>
           </a:p>
@@ -754,7 +754,7 @@
           <a:p>
             <a:fld id="{687B722F-994C-46E8-B4CB-FBCA36E87FEE}" type="datetimeFigureOut">
               <a:rPr lang="de-DE" smtClean="0"/>
-              <a:t>10.12.2016</a:t>
+              <a:t>11.12.2016</a:t>
             </a:fld>
             <a:endParaRPr lang="de-DE"/>
           </a:p>
@@ -1015,7 +1015,7 @@
           <a:p>
             <a:fld id="{687B722F-994C-46E8-B4CB-FBCA36E87FEE}" type="datetimeFigureOut">
               <a:rPr lang="de-DE" smtClean="0"/>
-              <a:t>10.12.2016</a:t>
+              <a:t>11.12.2016</a:t>
             </a:fld>
             <a:endParaRPr lang="de-DE"/>
           </a:p>
@@ -1441,7 +1441,7 @@
           <a:p>
             <a:fld id="{687B722F-994C-46E8-B4CB-FBCA36E87FEE}" type="datetimeFigureOut">
               <a:rPr lang="de-DE" smtClean="0"/>
-              <a:t>10.12.2016</a:t>
+              <a:t>11.12.2016</a:t>
             </a:fld>
             <a:endParaRPr lang="de-DE"/>
           </a:p>
@@ -1987,7 +1987,7 @@
           <a:p>
             <a:fld id="{687B722F-994C-46E8-B4CB-FBCA36E87FEE}" type="datetimeFigureOut">
               <a:rPr lang="de-DE" smtClean="0"/>
-              <a:t>10.12.2016</a:t>
+              <a:t>11.12.2016</a:t>
             </a:fld>
             <a:endParaRPr lang="de-DE"/>
           </a:p>
@@ -2818,7 +2818,7 @@
           <a:p>
             <a:fld id="{687B722F-994C-46E8-B4CB-FBCA36E87FEE}" type="datetimeFigureOut">
               <a:rPr lang="de-DE" smtClean="0"/>
-              <a:t>10.12.2016</a:t>
+              <a:t>11.12.2016</a:t>
             </a:fld>
             <a:endParaRPr lang="de-DE"/>
           </a:p>
@@ -2988,7 +2988,7 @@
           <a:p>
             <a:fld id="{687B722F-994C-46E8-B4CB-FBCA36E87FEE}" type="datetimeFigureOut">
               <a:rPr lang="de-DE" smtClean="0"/>
-              <a:t>10.12.2016</a:t>
+              <a:t>11.12.2016</a:t>
             </a:fld>
             <a:endParaRPr lang="de-DE"/>
           </a:p>
@@ -3168,7 +3168,7 @@
           <a:p>
             <a:fld id="{687B722F-994C-46E8-B4CB-FBCA36E87FEE}" type="datetimeFigureOut">
               <a:rPr lang="de-DE" smtClean="0"/>
-              <a:t>10.12.2016</a:t>
+              <a:t>11.12.2016</a:t>
             </a:fld>
             <a:endParaRPr lang="de-DE"/>
           </a:p>
@@ -3338,7 +3338,7 @@
           <a:p>
             <a:fld id="{687B722F-994C-46E8-B4CB-FBCA36E87FEE}" type="datetimeFigureOut">
               <a:rPr lang="de-DE" smtClean="0"/>
-              <a:t>10.12.2016</a:t>
+              <a:t>11.12.2016</a:t>
             </a:fld>
             <a:endParaRPr lang="de-DE"/>
           </a:p>
@@ -3595,7 +3595,7 @@
           <a:p>
             <a:fld id="{687B722F-994C-46E8-B4CB-FBCA36E87FEE}" type="datetimeFigureOut">
               <a:rPr lang="de-DE" smtClean="0"/>
-              <a:t>10.12.2016</a:t>
+              <a:t>11.12.2016</a:t>
             </a:fld>
             <a:endParaRPr lang="de-DE"/>
           </a:p>
@@ -3827,7 +3827,7 @@
           <a:p>
             <a:fld id="{687B722F-994C-46E8-B4CB-FBCA36E87FEE}" type="datetimeFigureOut">
               <a:rPr lang="de-DE" smtClean="0"/>
-              <a:t>10.12.2016</a:t>
+              <a:t>11.12.2016</a:t>
             </a:fld>
             <a:endParaRPr lang="de-DE"/>
           </a:p>
@@ -4220,7 +4220,7 @@
           <a:p>
             <a:fld id="{687B722F-994C-46E8-B4CB-FBCA36E87FEE}" type="datetimeFigureOut">
               <a:rPr lang="de-DE" smtClean="0"/>
-              <a:t>10.12.2016</a:t>
+              <a:t>11.12.2016</a:t>
             </a:fld>
             <a:endParaRPr lang="de-DE"/>
           </a:p>
@@ -4338,7 +4338,7 @@
           <a:p>
             <a:fld id="{687B722F-994C-46E8-B4CB-FBCA36E87FEE}" type="datetimeFigureOut">
               <a:rPr lang="de-DE" smtClean="0"/>
-              <a:t>10.12.2016</a:t>
+              <a:t>11.12.2016</a:t>
             </a:fld>
             <a:endParaRPr lang="de-DE"/>
           </a:p>
@@ -4433,7 +4433,7 @@
           <a:p>
             <a:fld id="{687B722F-994C-46E8-B4CB-FBCA36E87FEE}" type="datetimeFigureOut">
               <a:rPr lang="de-DE" smtClean="0"/>
-              <a:t>10.12.2016</a:t>
+              <a:t>11.12.2016</a:t>
             </a:fld>
             <a:endParaRPr lang="de-DE"/>
           </a:p>
@@ -4706,7 +4706,7 @@
           <a:p>
             <a:fld id="{687B722F-994C-46E8-B4CB-FBCA36E87FEE}" type="datetimeFigureOut">
               <a:rPr lang="de-DE" smtClean="0"/>
-              <a:t>10.12.2016</a:t>
+              <a:t>11.12.2016</a:t>
             </a:fld>
             <a:endParaRPr lang="de-DE"/>
           </a:p>
@@ -4987,7 +4987,7 @@
           <a:p>
             <a:fld id="{687B722F-994C-46E8-B4CB-FBCA36E87FEE}" type="datetimeFigureOut">
               <a:rPr lang="de-DE" smtClean="0"/>
-              <a:t>10.12.2016</a:t>
+              <a:t>11.12.2016</a:t>
             </a:fld>
             <a:endParaRPr lang="de-DE"/>
           </a:p>
@@ -5227,7 +5227,7 @@
           <a:p>
             <a:fld id="{687B722F-994C-46E8-B4CB-FBCA36E87FEE}" type="datetimeFigureOut">
               <a:rPr lang="de-DE" smtClean="0"/>
-              <a:t>10.12.2016</a:t>
+              <a:t>11.12.2016</a:t>
             </a:fld>
             <a:endParaRPr lang="de-DE"/>
           </a:p>
@@ -7901,7 +7901,12 @@
             <p:ph type="title"/>
           </p:nvPr>
         </p:nvSpPr>
-        <p:spPr/>
+        <p:spPr>
+          <a:xfrm>
+            <a:off x="220362" y="340413"/>
+            <a:ext cx="6493476" cy="1010594"/>
+          </a:xfrm>
+        </p:spPr>
         <p:txBody>
           <a:bodyPr/>
           <a:lstStyle/>
@@ -7972,8 +7977,8 @@
         </p:nvSpPr>
         <p:spPr>
           <a:xfrm>
-            <a:off x="7524534" y="626077"/>
-            <a:ext cx="2986947" cy="5964194"/>
+            <a:off x="7339914" y="340413"/>
+            <a:ext cx="3171567" cy="6249858"/>
           </a:xfrm>
           <a:custGeom>
             <a:avLst/>
@@ -8862,8 +8867,8 @@
         </p:blipFill>
         <p:spPr>
           <a:xfrm>
-            <a:off x="7646643" y="1125207"/>
-            <a:ext cx="2752337" cy="4904892"/>
+            <a:off x="7496431" y="857517"/>
+            <a:ext cx="2902549" cy="5172582"/>
           </a:xfrm>
           <a:prstGeom prst="rect">
             <a:avLst/>
